--- a/Chapter_2/Fundamentals.pptx
+++ b/Chapter_2/Fundamentals.pptx
@@ -14,21 +14,30 @@
     <p:sldId id="262" r:id="rId8"/>
     <p:sldId id="263" r:id="rId9"/>
     <p:sldId id="264" r:id="rId10"/>
-    <p:sldId id="265" r:id="rId11"/>
-    <p:sldId id="266" r:id="rId12"/>
-    <p:sldId id="268" r:id="rId13"/>
-    <p:sldId id="267" r:id="rId14"/>
-    <p:sldId id="269" r:id="rId15"/>
-    <p:sldId id="270" r:id="rId16"/>
-    <p:sldId id="271" r:id="rId17"/>
-    <p:sldId id="272" r:id="rId18"/>
-    <p:sldId id="273" r:id="rId19"/>
-    <p:sldId id="274" r:id="rId20"/>
-    <p:sldId id="275" r:id="rId21"/>
-    <p:sldId id="276" r:id="rId22"/>
-    <p:sldId id="277" r:id="rId23"/>
-    <p:sldId id="278" r:id="rId24"/>
-    <p:sldId id="279" r:id="rId25"/>
+    <p:sldId id="283" r:id="rId11"/>
+    <p:sldId id="284" r:id="rId12"/>
+    <p:sldId id="285" r:id="rId13"/>
+    <p:sldId id="286" r:id="rId14"/>
+    <p:sldId id="287" r:id="rId15"/>
+    <p:sldId id="288" r:id="rId16"/>
+    <p:sldId id="265" r:id="rId17"/>
+    <p:sldId id="266" r:id="rId18"/>
+    <p:sldId id="268" r:id="rId19"/>
+    <p:sldId id="267" r:id="rId20"/>
+    <p:sldId id="282" r:id="rId21"/>
+    <p:sldId id="269" r:id="rId22"/>
+    <p:sldId id="270" r:id="rId23"/>
+    <p:sldId id="271" r:id="rId24"/>
+    <p:sldId id="272" r:id="rId25"/>
+    <p:sldId id="273" r:id="rId26"/>
+    <p:sldId id="274" r:id="rId27"/>
+    <p:sldId id="280" r:id="rId28"/>
+    <p:sldId id="281" r:id="rId29"/>
+    <p:sldId id="275" r:id="rId30"/>
+    <p:sldId id="276" r:id="rId31"/>
+    <p:sldId id="277" r:id="rId32"/>
+    <p:sldId id="278" r:id="rId33"/>
+    <p:sldId id="279" r:id="rId34"/>
   </p:sldIdLst>
   <p:sldSz cx="9144000" cy="6858000" type="screen4x3"/>
   <p:notesSz cx="6858000" cy="9144000"/>
@@ -312,7 +321,7 @@
             <a:fld id="{1D8BD707-D9CF-40AE-B4C6-C98DA3205C09}" type="datetimeFigureOut">
               <a:rPr lang="en-US" smtClean="0"/>
               <a:pPr/>
-              <a:t>5/20/2022</a:t>
+              <a:t>7/16/2022</a:t>
             </a:fld>
             <a:endParaRPr lang="en-US"/>
           </a:p>
@@ -479,7 +488,7 @@
             <a:fld id="{1D8BD707-D9CF-40AE-B4C6-C98DA3205C09}" type="datetimeFigureOut">
               <a:rPr lang="en-US" smtClean="0"/>
               <a:pPr/>
-              <a:t>5/20/2022</a:t>
+              <a:t>7/16/2022</a:t>
             </a:fld>
             <a:endParaRPr lang="en-US"/>
           </a:p>
@@ -656,7 +665,7 @@
             <a:fld id="{1D8BD707-D9CF-40AE-B4C6-C98DA3205C09}" type="datetimeFigureOut">
               <a:rPr lang="en-US" smtClean="0"/>
               <a:pPr/>
-              <a:t>5/20/2022</a:t>
+              <a:t>7/16/2022</a:t>
             </a:fld>
             <a:endParaRPr lang="en-US"/>
           </a:p>
@@ -823,7 +832,7 @@
             <a:fld id="{1D8BD707-D9CF-40AE-B4C6-C98DA3205C09}" type="datetimeFigureOut">
               <a:rPr lang="en-US" smtClean="0"/>
               <a:pPr/>
-              <a:t>5/20/2022</a:t>
+              <a:t>7/16/2022</a:t>
             </a:fld>
             <a:endParaRPr lang="en-US"/>
           </a:p>
@@ -1066,7 +1075,7 @@
             <a:fld id="{1D8BD707-D9CF-40AE-B4C6-C98DA3205C09}" type="datetimeFigureOut">
               <a:rPr lang="en-US" smtClean="0"/>
               <a:pPr/>
-              <a:t>5/20/2022</a:t>
+              <a:t>7/16/2022</a:t>
             </a:fld>
             <a:endParaRPr lang="en-US"/>
           </a:p>
@@ -1351,7 +1360,7 @@
             <a:fld id="{1D8BD707-D9CF-40AE-B4C6-C98DA3205C09}" type="datetimeFigureOut">
               <a:rPr lang="en-US" smtClean="0"/>
               <a:pPr/>
-              <a:t>5/20/2022</a:t>
+              <a:t>7/16/2022</a:t>
             </a:fld>
             <a:endParaRPr lang="en-US"/>
           </a:p>
@@ -1770,7 +1779,7 @@
             <a:fld id="{1D8BD707-D9CF-40AE-B4C6-C98DA3205C09}" type="datetimeFigureOut">
               <a:rPr lang="en-US" smtClean="0"/>
               <a:pPr/>
-              <a:t>5/20/2022</a:t>
+              <a:t>7/16/2022</a:t>
             </a:fld>
             <a:endParaRPr lang="en-US"/>
           </a:p>
@@ -1885,7 +1894,7 @@
             <a:fld id="{1D8BD707-D9CF-40AE-B4C6-C98DA3205C09}" type="datetimeFigureOut">
               <a:rPr lang="en-US" smtClean="0"/>
               <a:pPr/>
-              <a:t>5/20/2022</a:t>
+              <a:t>7/16/2022</a:t>
             </a:fld>
             <a:endParaRPr lang="en-US"/>
           </a:p>
@@ -1977,7 +1986,7 @@
             <a:fld id="{1D8BD707-D9CF-40AE-B4C6-C98DA3205C09}" type="datetimeFigureOut">
               <a:rPr lang="en-US" smtClean="0"/>
               <a:pPr/>
-              <a:t>5/20/2022</a:t>
+              <a:t>7/16/2022</a:t>
             </a:fld>
             <a:endParaRPr lang="en-US"/>
           </a:p>
@@ -2251,7 +2260,7 @@
             <a:fld id="{1D8BD707-D9CF-40AE-B4C6-C98DA3205C09}" type="datetimeFigureOut">
               <a:rPr lang="en-US" smtClean="0"/>
               <a:pPr/>
-              <a:t>5/20/2022</a:t>
+              <a:t>7/16/2022</a:t>
             </a:fld>
             <a:endParaRPr lang="en-US"/>
           </a:p>
@@ -2501,7 +2510,7 @@
             <a:fld id="{1D8BD707-D9CF-40AE-B4C6-C98DA3205C09}" type="datetimeFigureOut">
               <a:rPr lang="en-US" smtClean="0"/>
               <a:pPr/>
-              <a:t>5/20/2022</a:t>
+              <a:t>7/16/2022</a:t>
             </a:fld>
             <a:endParaRPr lang="en-US"/>
           </a:p>
@@ -2711,7 +2720,7 @@
             <a:fld id="{1D8BD707-D9CF-40AE-B4C6-C98DA3205C09}" type="datetimeFigureOut">
               <a:rPr lang="en-US" smtClean="0"/>
               <a:pPr/>
-              <a:t>5/20/2022</a:t>
+              <a:t>7/16/2022</a:t>
             </a:fld>
             <a:endParaRPr lang="en-US"/>
           </a:p>
@@ -3157,18 +3166,13 @@
         </p:nvSpPr>
         <p:spPr/>
         <p:txBody>
-          <a:bodyPr>
-            <a:normAutofit fontScale="90000"/>
-          </a:bodyPr>
-          <a:lstStyle/>
-          <a:p>
-            <a:r>
-              <a:rPr lang="en-US" dirty="0" smtClean="0"/>
-              <a:t>Backslash Literals</a:t>
-            </a:r>
-            <a:br>
-              <a:rPr lang="en-US" dirty="0" smtClean="0"/>
-            </a:br>
+          <a:bodyPr/>
+          <a:lstStyle/>
+          <a:p>
+            <a:r>
+              <a:rPr lang="en-US" dirty="0" smtClean="0"/>
+              <a:t>Integral Literals</a:t>
+            </a:r>
             <a:endParaRPr lang="en-US" dirty="0"/>
           </a:p>
         </p:txBody>
@@ -3188,33 +3192,9 @@
           <a:bodyPr/>
           <a:lstStyle/>
           <a:p>
-            <a:pPr>
-              <a:buNone/>
-            </a:pPr>
-            <a:r>
-              <a:rPr lang="en-US" dirty="0" smtClean="0"/>
-              <a:t>Java supports some special backslash character literals known as backslash literals. They are used in formatted output</a:t>
-            </a:r>
-            <a:endParaRPr lang="en-US" b="1" dirty="0" smtClean="0"/>
-          </a:p>
-          <a:p>
-            <a:r>
-              <a:rPr lang="en-US" b="1" dirty="0" smtClean="0"/>
-              <a:t>\b:</a:t>
-            </a:r>
-            <a:r>
-              <a:rPr lang="en-US" dirty="0" smtClean="0"/>
-              <a:t> It is used for blank space</a:t>
-            </a:r>
-          </a:p>
-          <a:p>
-            <a:r>
-              <a:rPr lang="en-US" b="1" dirty="0" smtClean="0"/>
-              <a:t>\n:</a:t>
-            </a:r>
-            <a:r>
-              <a:rPr lang="en-US" dirty="0" smtClean="0"/>
-              <a:t> It is used for a new line</a:t>
+            <a:r>
+              <a:rPr lang="en-US" dirty="0" smtClean="0"/>
+              <a:t>An integer literal is of type long if it ends with the letter L or l; otherwise it is of type int. It is recommended that you use the upper case letter L because the lower case letter l is hard to distinguish from the digit 1.</a:t>
             </a:r>
             <a:endParaRPr lang="en-US" dirty="0"/>
           </a:p>
@@ -3229,6 +3209,764 @@
 </file>
 
 <file path=ppt/slides/slide11.xml><?xml version="1.0" encoding="utf-8"?>
+<p:sld xmlns:a="http://schemas.openxmlformats.org/drawingml/2006/main" xmlns:r="http://schemas.openxmlformats.org/officeDocument/2006/relationships" xmlns:p="http://schemas.openxmlformats.org/presentationml/2006/main">
+  <p:cSld>
+    <p:spTree>
+      <p:nvGrpSpPr>
+        <p:cNvPr id="1" name=""/>
+        <p:cNvGrpSpPr/>
+        <p:nvPr/>
+      </p:nvGrpSpPr>
+      <p:grpSpPr>
+        <a:xfrm>
+          <a:off x="0" y="0"/>
+          <a:ext cx="0" cy="0"/>
+          <a:chOff x="0" y="0"/>
+          <a:chExt cx="0" cy="0"/>
+        </a:xfrm>
+      </p:grpSpPr>
+      <p:sp>
+        <p:nvSpPr>
+          <p:cNvPr id="2" name="Title 1"/>
+          <p:cNvSpPr>
+            <a:spLocks noGrp="1"/>
+          </p:cNvSpPr>
+          <p:nvPr>
+            <p:ph type="title"/>
+          </p:nvPr>
+        </p:nvSpPr>
+        <p:spPr/>
+        <p:txBody>
+          <a:bodyPr/>
+          <a:lstStyle/>
+          <a:p>
+            <a:r>
+              <a:rPr lang="en-US" dirty="0" smtClean="0"/>
+              <a:t>Floating Point Literals</a:t>
+            </a:r>
+            <a:endParaRPr lang="en-US" dirty="0"/>
+          </a:p>
+        </p:txBody>
+      </p:sp>
+      <p:sp>
+        <p:nvSpPr>
+          <p:cNvPr id="3" name="Content Placeholder 2"/>
+          <p:cNvSpPr>
+            <a:spLocks noGrp="1"/>
+          </p:cNvSpPr>
+          <p:nvPr>
+            <p:ph idx="1"/>
+          </p:nvPr>
+        </p:nvSpPr>
+        <p:spPr/>
+        <p:txBody>
+          <a:bodyPr>
+            <a:normAutofit fontScale="70000" lnSpcReduction="20000"/>
+          </a:bodyPr>
+          <a:lstStyle/>
+          <a:p>
+            <a:r>
+              <a:rPr lang="en-US" dirty="0" smtClean="0"/>
+              <a:t>A floating-point literal is of type float if it ends with the letter F or f; otherwise its type is double and it can optionally end with the letter D or d</a:t>
+            </a:r>
+            <a:r>
+              <a:rPr lang="en-US" dirty="0" smtClean="0"/>
+              <a:t>.</a:t>
+            </a:r>
+          </a:p>
+          <a:p>
+            <a:r>
+              <a:rPr lang="en-US" dirty="0" smtClean="0"/>
+              <a:t>The floating point types (float and double) can also be expressed using E or e (for scientific notation), F or f (32-bit float literal) and D or d (64-bit double literal; this is the default and by convention is omitted</a:t>
+            </a:r>
+            <a:r>
+              <a:rPr lang="en-US" dirty="0" smtClean="0"/>
+              <a:t>).</a:t>
+            </a:r>
+          </a:p>
+          <a:p>
+            <a:r>
+              <a:rPr lang="en-US" dirty="0" smtClean="0"/>
+              <a:t>double d1 = 123.4</a:t>
+            </a:r>
+            <a:r>
+              <a:rPr lang="en-US" dirty="0" smtClean="0"/>
+              <a:t>;</a:t>
+            </a:r>
+          </a:p>
+          <a:p>
+            <a:r>
+              <a:rPr lang="en-US" dirty="0" smtClean="0"/>
+              <a:t>double d2 = 1.234e2</a:t>
+            </a:r>
+            <a:r>
+              <a:rPr lang="en-US" dirty="0" smtClean="0"/>
+              <a:t>;</a:t>
+            </a:r>
+          </a:p>
+          <a:p>
+            <a:r>
+              <a:rPr lang="en-US" dirty="0" smtClean="0"/>
+              <a:t>float f1 = 123.4f</a:t>
+            </a:r>
+            <a:r>
+              <a:rPr lang="en-US" dirty="0" smtClean="0"/>
+              <a:t>;</a:t>
+            </a:r>
+          </a:p>
+          <a:p>
+            <a:r>
+              <a:rPr lang="en-US" dirty="0" smtClean="0"/>
+              <a:t>Forms of floating point decimal</a:t>
+            </a:r>
+          </a:p>
+          <a:p>
+            <a:pPr>
+              <a:buNone/>
+            </a:pPr>
+            <a:r>
+              <a:rPr lang="en-US" dirty="0" smtClean="0"/>
+              <a:t>-&gt;Simple </a:t>
+            </a:r>
+            <a:r>
+              <a:rPr lang="en-US" dirty="0" smtClean="0"/>
+              <a:t>decimal forms</a:t>
+            </a:r>
+          </a:p>
+          <a:p>
+            <a:pPr>
+              <a:buNone/>
+            </a:pPr>
+            <a:r>
+              <a:rPr lang="en-US" dirty="0" smtClean="0"/>
+              <a:t>-&gt;Scaled </a:t>
+            </a:r>
+            <a:r>
+              <a:rPr lang="en-US" dirty="0" smtClean="0"/>
+              <a:t>decimal forms</a:t>
+            </a:r>
+          </a:p>
+          <a:p>
+            <a:pPr>
+              <a:buNone/>
+            </a:pPr>
+            <a:r>
+              <a:rPr lang="en-US" dirty="0" smtClean="0"/>
+              <a:t>-&gt;Hexadecimal </a:t>
+            </a:r>
+            <a:r>
+              <a:rPr lang="en-US" dirty="0" smtClean="0"/>
+              <a:t>forms</a:t>
+            </a:r>
+          </a:p>
+          <a:p>
+            <a:endParaRPr lang="en-US" dirty="0"/>
+          </a:p>
+        </p:txBody>
+      </p:sp>
+    </p:spTree>
+  </p:cSld>
+  <p:clrMapOvr>
+    <a:masterClrMapping/>
+  </p:clrMapOvr>
+</p:sld>
+</file>
+
+<file path=ppt/slides/slide12.xml><?xml version="1.0" encoding="utf-8"?>
+<p:sld xmlns:a="http://schemas.openxmlformats.org/drawingml/2006/main" xmlns:r="http://schemas.openxmlformats.org/officeDocument/2006/relationships" xmlns:p="http://schemas.openxmlformats.org/presentationml/2006/main">
+  <p:cSld>
+    <p:spTree>
+      <p:nvGrpSpPr>
+        <p:cNvPr id="1" name=""/>
+        <p:cNvGrpSpPr/>
+        <p:nvPr/>
+      </p:nvGrpSpPr>
+      <p:grpSpPr>
+        <a:xfrm>
+          <a:off x="0" y="0"/>
+          <a:ext cx="0" cy="0"/>
+          <a:chOff x="0" y="0"/>
+          <a:chExt cx="0" cy="0"/>
+        </a:xfrm>
+      </p:grpSpPr>
+      <p:sp>
+        <p:nvSpPr>
+          <p:cNvPr id="2" name="Title 1"/>
+          <p:cNvSpPr>
+            <a:spLocks noGrp="1"/>
+          </p:cNvSpPr>
+          <p:nvPr>
+            <p:ph type="title"/>
+          </p:nvPr>
+        </p:nvSpPr>
+        <p:spPr/>
+        <p:txBody>
+          <a:bodyPr/>
+          <a:lstStyle/>
+          <a:p>
+            <a:r>
+              <a:rPr lang="en-US" dirty="0" smtClean="0"/>
+              <a:t>Simple decimal Forms</a:t>
+            </a:r>
+            <a:endParaRPr lang="en-US" dirty="0"/>
+          </a:p>
+        </p:txBody>
+      </p:sp>
+      <p:sp>
+        <p:nvSpPr>
+          <p:cNvPr id="3" name="Content Placeholder 2"/>
+          <p:cNvSpPr>
+            <a:spLocks noGrp="1"/>
+          </p:cNvSpPr>
+          <p:nvPr>
+            <p:ph idx="1"/>
+          </p:nvPr>
+        </p:nvSpPr>
+        <p:spPr/>
+        <p:txBody>
+          <a:bodyPr>
+            <a:normAutofit fontScale="92500" lnSpcReduction="20000"/>
+          </a:bodyPr>
+          <a:lstStyle/>
+          <a:p>
+            <a:r>
+              <a:rPr lang="en-US" dirty="0" smtClean="0"/>
+              <a:t>Simple decimal forms</a:t>
+            </a:r>
+          </a:p>
+          <a:p>
+            <a:r>
+              <a:rPr lang="en-US" dirty="0" smtClean="0"/>
+              <a:t>0.0 // this denotes zero </a:t>
+            </a:r>
+            <a:endParaRPr lang="en-US" dirty="0" smtClean="0"/>
+          </a:p>
+          <a:p>
+            <a:r>
+              <a:rPr lang="en-US" dirty="0" smtClean="0"/>
+              <a:t>.</a:t>
+            </a:r>
+            <a:r>
+              <a:rPr lang="en-US" dirty="0" smtClean="0"/>
+              <a:t>0 // this also denotes zero </a:t>
+            </a:r>
+            <a:endParaRPr lang="en-US" dirty="0" smtClean="0"/>
+          </a:p>
+          <a:p>
+            <a:r>
+              <a:rPr lang="en-US" dirty="0" smtClean="0"/>
+              <a:t>0</a:t>
+            </a:r>
+            <a:r>
+              <a:rPr lang="en-US" dirty="0" smtClean="0"/>
+              <a:t>. // this also denotes zero </a:t>
+            </a:r>
+            <a:endParaRPr lang="en-US" dirty="0" smtClean="0"/>
+          </a:p>
+          <a:p>
+            <a:r>
+              <a:rPr lang="en-US" dirty="0" smtClean="0"/>
+              <a:t>3.14159 </a:t>
+            </a:r>
+            <a:r>
+              <a:rPr lang="en-US" dirty="0" smtClean="0"/>
+              <a:t>// this denotes Pi, accurate to (approximately!) 5 decimal places. </a:t>
+            </a:r>
+            <a:endParaRPr lang="en-US" dirty="0" smtClean="0"/>
+          </a:p>
+          <a:p>
+            <a:r>
+              <a:rPr lang="en-US" dirty="0" smtClean="0"/>
+              <a:t>1.0F </a:t>
+            </a:r>
+            <a:r>
+              <a:rPr lang="en-US" dirty="0" smtClean="0"/>
+              <a:t>// a `float` literal </a:t>
+            </a:r>
+            <a:endParaRPr lang="en-US" dirty="0" smtClean="0"/>
+          </a:p>
+          <a:p>
+            <a:r>
+              <a:rPr lang="en-US" dirty="0" smtClean="0"/>
+              <a:t>1.0D </a:t>
+            </a:r>
+            <a:r>
+              <a:rPr lang="en-US" dirty="0" smtClean="0"/>
+              <a:t>// a `double` literal. (`double` is the default if no suffix is given</a:t>
+            </a:r>
+            <a:r>
+              <a:rPr lang="en-US" dirty="0" smtClean="0"/>
+              <a:t>)</a:t>
+            </a:r>
+          </a:p>
+          <a:p>
+            <a:r>
+              <a:rPr lang="en-US" dirty="0" smtClean="0"/>
+              <a:t>1F // means the same thing as 1.0F</a:t>
+            </a:r>
+            <a:endParaRPr lang="en-US" dirty="0"/>
+          </a:p>
+        </p:txBody>
+      </p:sp>
+    </p:spTree>
+  </p:cSld>
+  <p:clrMapOvr>
+    <a:masterClrMapping/>
+  </p:clrMapOvr>
+</p:sld>
+</file>
+
+<file path=ppt/slides/slide13.xml><?xml version="1.0" encoding="utf-8"?>
+<p:sld xmlns:a="http://schemas.openxmlformats.org/drawingml/2006/main" xmlns:r="http://schemas.openxmlformats.org/officeDocument/2006/relationships" xmlns:p="http://schemas.openxmlformats.org/presentationml/2006/main">
+  <p:cSld>
+    <p:spTree>
+      <p:nvGrpSpPr>
+        <p:cNvPr id="1" name=""/>
+        <p:cNvGrpSpPr/>
+        <p:nvPr/>
+      </p:nvGrpSpPr>
+      <p:grpSpPr>
+        <a:xfrm>
+          <a:off x="0" y="0"/>
+          <a:ext cx="0" cy="0"/>
+          <a:chOff x="0" y="0"/>
+          <a:chExt cx="0" cy="0"/>
+        </a:xfrm>
+      </p:grpSpPr>
+      <p:sp>
+        <p:nvSpPr>
+          <p:cNvPr id="2" name="Title 1"/>
+          <p:cNvSpPr>
+            <a:spLocks noGrp="1"/>
+          </p:cNvSpPr>
+          <p:nvPr>
+            <p:ph type="title"/>
+          </p:nvPr>
+        </p:nvSpPr>
+        <p:spPr/>
+        <p:txBody>
+          <a:bodyPr/>
+          <a:lstStyle/>
+          <a:p>
+            <a:r>
+              <a:rPr lang="en-US" dirty="0" smtClean="0"/>
+              <a:t>Scaled Decimal Form</a:t>
+            </a:r>
+            <a:endParaRPr lang="en-US" dirty="0"/>
+          </a:p>
+        </p:txBody>
+      </p:sp>
+      <p:sp>
+        <p:nvSpPr>
+          <p:cNvPr id="3" name="Content Placeholder 2"/>
+          <p:cNvSpPr>
+            <a:spLocks noGrp="1"/>
+          </p:cNvSpPr>
+          <p:nvPr>
+            <p:ph idx="1"/>
+          </p:nvPr>
+        </p:nvSpPr>
+        <p:spPr/>
+        <p:txBody>
+          <a:bodyPr/>
+          <a:lstStyle/>
+          <a:p>
+            <a:r>
+              <a:rPr lang="en-US" dirty="0" smtClean="0"/>
+              <a:t>1.0E1 // this means 1.0 x 10^1 ... or 10.0 (double) </a:t>
+            </a:r>
+            <a:endParaRPr lang="en-US" dirty="0" smtClean="0"/>
+          </a:p>
+          <a:p>
+            <a:r>
+              <a:rPr lang="en-US" dirty="0" smtClean="0"/>
+              <a:t>1E-1D </a:t>
+            </a:r>
+            <a:r>
+              <a:rPr lang="en-US" dirty="0" smtClean="0"/>
+              <a:t>// this means 1.0 x 10^(-1) ... or 0.1 (double) </a:t>
+            </a:r>
+            <a:endParaRPr lang="en-US" dirty="0" smtClean="0"/>
+          </a:p>
+          <a:p>
+            <a:r>
+              <a:rPr lang="en-US" dirty="0" smtClean="0"/>
+              <a:t>1.0e10f </a:t>
+            </a:r>
+            <a:r>
+              <a:rPr lang="en-US" dirty="0" smtClean="0"/>
+              <a:t>// this means 1.0 x 10^(10) ... or 10000000000.0 (float)</a:t>
+            </a:r>
+            <a:endParaRPr lang="en-US" dirty="0"/>
+          </a:p>
+        </p:txBody>
+      </p:sp>
+    </p:spTree>
+  </p:cSld>
+  <p:clrMapOvr>
+    <a:masterClrMapping/>
+  </p:clrMapOvr>
+</p:sld>
+</file>
+
+<file path=ppt/slides/slide14.xml><?xml version="1.0" encoding="utf-8"?>
+<p:sld xmlns:a="http://schemas.openxmlformats.org/drawingml/2006/main" xmlns:r="http://schemas.openxmlformats.org/officeDocument/2006/relationships" xmlns:p="http://schemas.openxmlformats.org/presentationml/2006/main">
+  <p:cSld>
+    <p:spTree>
+      <p:nvGrpSpPr>
+        <p:cNvPr id="1" name=""/>
+        <p:cNvGrpSpPr/>
+        <p:nvPr/>
+      </p:nvGrpSpPr>
+      <p:grpSpPr>
+        <a:xfrm>
+          <a:off x="0" y="0"/>
+          <a:ext cx="0" cy="0"/>
+          <a:chOff x="0" y="0"/>
+          <a:chExt cx="0" cy="0"/>
+        </a:xfrm>
+      </p:grpSpPr>
+      <p:sp>
+        <p:nvSpPr>
+          <p:cNvPr id="2" name="Title 1"/>
+          <p:cNvSpPr>
+            <a:spLocks noGrp="1"/>
+          </p:cNvSpPr>
+          <p:nvPr>
+            <p:ph type="title"/>
+          </p:nvPr>
+        </p:nvSpPr>
+        <p:spPr/>
+        <p:txBody>
+          <a:bodyPr/>
+          <a:lstStyle/>
+          <a:p>
+            <a:r>
+              <a:rPr lang="en-US" dirty="0" err="1" smtClean="0"/>
+              <a:t>Hexa</a:t>
+            </a:r>
+            <a:r>
+              <a:rPr lang="en-US" dirty="0" smtClean="0"/>
+              <a:t> Decimal Form-</a:t>
+            </a:r>
+            <a:r>
+              <a:rPr lang="en-US" dirty="0" smtClean="0"/>
+              <a:t> Java 6</a:t>
+            </a:r>
+            <a:endParaRPr lang="en-US" dirty="0"/>
+          </a:p>
+        </p:txBody>
+      </p:sp>
+      <p:sp>
+        <p:nvSpPr>
+          <p:cNvPr id="3" name="Content Placeholder 2"/>
+          <p:cNvSpPr>
+            <a:spLocks noGrp="1"/>
+          </p:cNvSpPr>
+          <p:nvPr>
+            <p:ph idx="1"/>
+          </p:nvPr>
+        </p:nvSpPr>
+        <p:spPr/>
+        <p:txBody>
+          <a:bodyPr/>
+          <a:lstStyle/>
+          <a:p>
+            <a:r>
+              <a:rPr lang="en-US" dirty="0" smtClean="0"/>
+              <a:t>0x0.0p0f // this is zero expressed in hexadecimal form (`float`) </a:t>
+            </a:r>
+            <a:endParaRPr lang="en-US" dirty="0" smtClean="0"/>
+          </a:p>
+          <a:p>
+            <a:r>
+              <a:rPr lang="en-US" dirty="0" smtClean="0"/>
+              <a:t>0xff.0p19 </a:t>
+            </a:r>
+            <a:r>
+              <a:rPr lang="en-US" dirty="0" smtClean="0"/>
+              <a:t>// this is 255.0 x 2^19 (`double`)</a:t>
+            </a:r>
+            <a:endParaRPr lang="en-US" dirty="0"/>
+          </a:p>
+        </p:txBody>
+      </p:sp>
+    </p:spTree>
+  </p:cSld>
+  <p:clrMapOvr>
+    <a:masterClrMapping/>
+  </p:clrMapOvr>
+</p:sld>
+</file>
+
+<file path=ppt/slides/slide15.xml><?xml version="1.0" encoding="utf-8"?>
+<p:sld xmlns:a="http://schemas.openxmlformats.org/drawingml/2006/main" xmlns:r="http://schemas.openxmlformats.org/officeDocument/2006/relationships" xmlns:p="http://schemas.openxmlformats.org/presentationml/2006/main">
+  <p:cSld>
+    <p:spTree>
+      <p:nvGrpSpPr>
+        <p:cNvPr id="1" name=""/>
+        <p:cNvGrpSpPr/>
+        <p:nvPr/>
+      </p:nvGrpSpPr>
+      <p:grpSpPr>
+        <a:xfrm>
+          <a:off x="0" y="0"/>
+          <a:ext cx="0" cy="0"/>
+          <a:chOff x="0" y="0"/>
+          <a:chExt cx="0" cy="0"/>
+        </a:xfrm>
+      </p:grpSpPr>
+      <p:sp>
+        <p:nvSpPr>
+          <p:cNvPr id="2" name="Title 1"/>
+          <p:cNvSpPr>
+            <a:spLocks noGrp="1"/>
+          </p:cNvSpPr>
+          <p:nvPr>
+            <p:ph type="title"/>
+          </p:nvPr>
+        </p:nvSpPr>
+        <p:spPr/>
+        <p:txBody>
+          <a:bodyPr/>
+          <a:lstStyle/>
+          <a:p>
+            <a:r>
+              <a:rPr lang="en-US" dirty="0" smtClean="0"/>
+              <a:t>Default Values</a:t>
+            </a:r>
+            <a:endParaRPr lang="en-US" dirty="0"/>
+          </a:p>
+        </p:txBody>
+      </p:sp>
+      <p:sp>
+        <p:nvSpPr>
+          <p:cNvPr id="3" name="Content Placeholder 2"/>
+          <p:cNvSpPr>
+            <a:spLocks noGrp="1"/>
+          </p:cNvSpPr>
+          <p:nvPr>
+            <p:ph idx="1"/>
+          </p:nvPr>
+        </p:nvSpPr>
+        <p:spPr/>
+        <p:txBody>
+          <a:bodyPr>
+            <a:normAutofit fontScale="85000" lnSpcReduction="20000"/>
+          </a:bodyPr>
+          <a:lstStyle/>
+          <a:p>
+            <a:r>
+              <a:rPr lang="en-US" b="1" dirty="0" smtClean="0"/>
+              <a:t>Data </a:t>
+            </a:r>
+            <a:r>
+              <a:rPr lang="en-US" b="1" dirty="0" err="1" smtClean="0"/>
+              <a:t>TypeDefault</a:t>
+            </a:r>
+            <a:r>
+              <a:rPr lang="en-US" b="1" dirty="0" smtClean="0"/>
+              <a:t> Value (for </a:t>
+            </a:r>
+            <a:r>
+              <a:rPr lang="en-US" b="1" dirty="0" smtClean="0"/>
+              <a:t>fields)</a:t>
+            </a:r>
+          </a:p>
+          <a:p>
+            <a:r>
+              <a:rPr lang="en-US" dirty="0" smtClean="0"/>
+              <a:t>byte            0</a:t>
+            </a:r>
+          </a:p>
+          <a:p>
+            <a:r>
+              <a:rPr lang="en-US" dirty="0" smtClean="0"/>
+              <a:t>short          0</a:t>
+            </a:r>
+          </a:p>
+          <a:p>
+            <a:r>
+              <a:rPr lang="en-US" dirty="0" err="1" smtClean="0"/>
+              <a:t>i</a:t>
+            </a:r>
+            <a:r>
+              <a:rPr lang="en-US" dirty="0" err="1" smtClean="0"/>
+              <a:t>nt</a:t>
+            </a:r>
+            <a:r>
+              <a:rPr lang="en-US" dirty="0" smtClean="0"/>
+              <a:t>               0</a:t>
+            </a:r>
+          </a:p>
+          <a:p>
+            <a:r>
+              <a:rPr lang="en-US" dirty="0" smtClean="0"/>
+              <a:t>l</a:t>
+            </a:r>
+            <a:r>
+              <a:rPr lang="en-US" dirty="0" smtClean="0"/>
+              <a:t>ong            0L</a:t>
+            </a:r>
+          </a:p>
+          <a:p>
+            <a:r>
+              <a:rPr lang="en-US" dirty="0" smtClean="0"/>
+              <a:t>f</a:t>
+            </a:r>
+            <a:r>
+              <a:rPr lang="en-US" dirty="0" smtClean="0"/>
+              <a:t>loat           0.0f</a:t>
+            </a:r>
+          </a:p>
+          <a:p>
+            <a:r>
+              <a:rPr lang="en-US" dirty="0" smtClean="0"/>
+              <a:t>double       0.0d</a:t>
+            </a:r>
+          </a:p>
+          <a:p>
+            <a:r>
+              <a:rPr lang="en-US" dirty="0" smtClean="0"/>
+              <a:t>c</a:t>
+            </a:r>
+            <a:r>
+              <a:rPr lang="en-US" dirty="0" smtClean="0"/>
+              <a:t>har          '\u0000‘</a:t>
+            </a:r>
+          </a:p>
+          <a:p>
+            <a:r>
+              <a:rPr lang="en-US" dirty="0" smtClean="0"/>
+              <a:t>String </a:t>
+            </a:r>
+            <a:r>
+              <a:rPr lang="en-US" dirty="0" smtClean="0"/>
+              <a:t>(or any object)  </a:t>
+            </a:r>
+            <a:r>
+              <a:rPr lang="en-US" dirty="0" smtClean="0"/>
+              <a:t>null</a:t>
+            </a:r>
+          </a:p>
+          <a:p>
+            <a:r>
+              <a:rPr lang="en-US" smtClean="0"/>
+              <a:t>Boolean          false</a:t>
+            </a:r>
+            <a:endParaRPr lang="en-US" dirty="0"/>
+          </a:p>
+        </p:txBody>
+      </p:sp>
+    </p:spTree>
+  </p:cSld>
+  <p:clrMapOvr>
+    <a:masterClrMapping/>
+  </p:clrMapOvr>
+</p:sld>
+</file>
+
+<file path=ppt/slides/slide16.xml><?xml version="1.0" encoding="utf-8"?>
+<p:sld xmlns:a="http://schemas.openxmlformats.org/drawingml/2006/main" xmlns:r="http://schemas.openxmlformats.org/officeDocument/2006/relationships" xmlns:p="http://schemas.openxmlformats.org/presentationml/2006/main">
+  <p:cSld>
+    <p:spTree>
+      <p:nvGrpSpPr>
+        <p:cNvPr id="1" name=""/>
+        <p:cNvGrpSpPr/>
+        <p:nvPr/>
+      </p:nvGrpSpPr>
+      <p:grpSpPr>
+        <a:xfrm>
+          <a:off x="0" y="0"/>
+          <a:ext cx="0" cy="0"/>
+          <a:chOff x="0" y="0"/>
+          <a:chExt cx="0" cy="0"/>
+        </a:xfrm>
+      </p:grpSpPr>
+      <p:sp>
+        <p:nvSpPr>
+          <p:cNvPr id="2" name="Title 1"/>
+          <p:cNvSpPr>
+            <a:spLocks noGrp="1"/>
+          </p:cNvSpPr>
+          <p:nvPr>
+            <p:ph type="title"/>
+          </p:nvPr>
+        </p:nvSpPr>
+        <p:spPr/>
+        <p:txBody>
+          <a:bodyPr>
+            <a:normAutofit fontScale="90000"/>
+          </a:bodyPr>
+          <a:lstStyle/>
+          <a:p>
+            <a:r>
+              <a:rPr lang="en-US" dirty="0" smtClean="0"/>
+              <a:t>Backslash Literals</a:t>
+            </a:r>
+            <a:br>
+              <a:rPr lang="en-US" dirty="0" smtClean="0"/>
+            </a:br>
+            <a:endParaRPr lang="en-US" dirty="0"/>
+          </a:p>
+        </p:txBody>
+      </p:sp>
+      <p:sp>
+        <p:nvSpPr>
+          <p:cNvPr id="3" name="Content Placeholder 2"/>
+          <p:cNvSpPr>
+            <a:spLocks noGrp="1"/>
+          </p:cNvSpPr>
+          <p:nvPr>
+            <p:ph idx="1"/>
+          </p:nvPr>
+        </p:nvSpPr>
+        <p:spPr/>
+        <p:txBody>
+          <a:bodyPr/>
+          <a:lstStyle/>
+          <a:p>
+            <a:pPr>
+              <a:buNone/>
+            </a:pPr>
+            <a:r>
+              <a:rPr lang="en-US" dirty="0" smtClean="0"/>
+              <a:t>Java supports some special backslash character literals known as backslash literals. They are used in formatted output</a:t>
+            </a:r>
+            <a:endParaRPr lang="en-US" b="1" dirty="0" smtClean="0"/>
+          </a:p>
+          <a:p>
+            <a:r>
+              <a:rPr lang="en-US" b="1" dirty="0" smtClean="0"/>
+              <a:t>\b:</a:t>
+            </a:r>
+            <a:r>
+              <a:rPr lang="en-US" dirty="0" smtClean="0"/>
+              <a:t> It is used for blank space</a:t>
+            </a:r>
+          </a:p>
+          <a:p>
+            <a:r>
+              <a:rPr lang="en-US" b="1" dirty="0" smtClean="0"/>
+              <a:t>\n:</a:t>
+            </a:r>
+            <a:r>
+              <a:rPr lang="en-US" dirty="0" smtClean="0"/>
+              <a:t> It is used for a new line</a:t>
+            </a:r>
+            <a:endParaRPr lang="en-US" dirty="0"/>
+          </a:p>
+        </p:txBody>
+      </p:sp>
+    </p:spTree>
+  </p:cSld>
+  <p:clrMapOvr>
+    <a:masterClrMapping/>
+  </p:clrMapOvr>
+</p:sld>
+</file>
+
+<file path=ppt/slides/slide17.xml><?xml version="1.0" encoding="utf-8"?>
 <p:sld xmlns:a="http://schemas.openxmlformats.org/drawingml/2006/main" xmlns:r="http://schemas.openxmlformats.org/officeDocument/2006/relationships" xmlns:p="http://schemas.openxmlformats.org/presentationml/2006/main">
   <p:cSld>
     <p:spTree>
@@ -5477,645 +6215,6 @@
 </p:sld>
 </file>
 
-<file path=ppt/slides/slide12.xml><?xml version="1.0" encoding="utf-8"?>
-<p:sld xmlns:a="http://schemas.openxmlformats.org/drawingml/2006/main" xmlns:r="http://schemas.openxmlformats.org/officeDocument/2006/relationships" xmlns:p="http://schemas.openxmlformats.org/presentationml/2006/main">
-  <p:cSld>
-    <p:spTree>
-      <p:nvGrpSpPr>
-        <p:cNvPr id="1" name=""/>
-        <p:cNvGrpSpPr/>
-        <p:nvPr/>
-      </p:nvGrpSpPr>
-      <p:grpSpPr>
-        <a:xfrm>
-          <a:off x="0" y="0"/>
-          <a:ext cx="0" cy="0"/>
-          <a:chOff x="0" y="0"/>
-          <a:chExt cx="0" cy="0"/>
-        </a:xfrm>
-      </p:grpSpPr>
-      <p:sp>
-        <p:nvSpPr>
-          <p:cNvPr id="2" name="Title 1"/>
-          <p:cNvSpPr>
-            <a:spLocks noGrp="1"/>
-          </p:cNvSpPr>
-          <p:nvPr>
-            <p:ph type="title"/>
-          </p:nvPr>
-        </p:nvSpPr>
-        <p:spPr/>
-        <p:txBody>
-          <a:bodyPr/>
-          <a:lstStyle/>
-          <a:p>
-            <a:r>
-              <a:rPr lang="en-US" dirty="0" err="1" smtClean="0"/>
-              <a:t>Prmitive</a:t>
-            </a:r>
-            <a:endParaRPr lang="en-US" dirty="0"/>
-          </a:p>
-        </p:txBody>
-      </p:sp>
-      <p:sp>
-        <p:nvSpPr>
-          <p:cNvPr id="3" name="Content Placeholder 2"/>
-          <p:cNvSpPr>
-            <a:spLocks noGrp="1"/>
-          </p:cNvSpPr>
-          <p:nvPr>
-            <p:ph idx="1"/>
-          </p:nvPr>
-        </p:nvSpPr>
-        <p:spPr/>
-        <p:txBody>
-          <a:bodyPr/>
-          <a:lstStyle/>
-          <a:p>
-            <a:r>
-              <a:rPr lang="en-US" dirty="0" smtClean="0"/>
-              <a:t>It cannot be null. It always has value.</a:t>
-            </a:r>
-          </a:p>
-          <a:p>
-            <a:r>
-              <a:rPr lang="en-US" dirty="0" smtClean="0"/>
-              <a:t>The size of a primitive type depends on the data type.</a:t>
-            </a:r>
-          </a:p>
-          <a:p>
-            <a:r>
-              <a:rPr lang="en-US" dirty="0" smtClean="0"/>
-              <a:t>All primitive type begins with a lowercase letter</a:t>
-            </a:r>
-          </a:p>
-          <a:p>
-            <a:r>
-              <a:rPr lang="en-US" dirty="0" smtClean="0"/>
-              <a:t>It is pre-defined in Java.</a:t>
-            </a:r>
-            <a:endParaRPr lang="en-US" dirty="0"/>
-          </a:p>
-        </p:txBody>
-      </p:sp>
-    </p:spTree>
-  </p:cSld>
-  <p:clrMapOvr>
-    <a:masterClrMapping/>
-  </p:clrMapOvr>
-</p:sld>
-</file>
-
-<file path=ppt/slides/slide13.xml><?xml version="1.0" encoding="utf-8"?>
-<p:sld xmlns:a="http://schemas.openxmlformats.org/drawingml/2006/main" xmlns:r="http://schemas.openxmlformats.org/officeDocument/2006/relationships" xmlns:p="http://schemas.openxmlformats.org/presentationml/2006/main">
-  <p:cSld>
-    <p:spTree>
-      <p:nvGrpSpPr>
-        <p:cNvPr id="1" name=""/>
-        <p:cNvGrpSpPr/>
-        <p:nvPr/>
-      </p:nvGrpSpPr>
-      <p:grpSpPr>
-        <a:xfrm>
-          <a:off x="0" y="0"/>
-          <a:ext cx="0" cy="0"/>
-          <a:chOff x="0" y="0"/>
-          <a:chExt cx="0" cy="0"/>
-        </a:xfrm>
-      </p:grpSpPr>
-      <p:sp>
-        <p:nvSpPr>
-          <p:cNvPr id="2" name="Title 1"/>
-          <p:cNvSpPr>
-            <a:spLocks noGrp="1"/>
-          </p:cNvSpPr>
-          <p:nvPr>
-            <p:ph type="title"/>
-          </p:nvPr>
-        </p:nvSpPr>
-        <p:spPr/>
-        <p:txBody>
-          <a:bodyPr/>
-          <a:lstStyle/>
-          <a:p>
-            <a:r>
-              <a:rPr lang="en-US" dirty="0" smtClean="0"/>
-              <a:t>Non Primitive data </a:t>
-            </a:r>
-            <a:endParaRPr lang="en-US" dirty="0"/>
-          </a:p>
-        </p:txBody>
-      </p:sp>
-      <p:sp>
-        <p:nvSpPr>
-          <p:cNvPr id="3" name="Content Placeholder 2"/>
-          <p:cNvSpPr>
-            <a:spLocks noGrp="1"/>
-          </p:cNvSpPr>
-          <p:nvPr>
-            <p:ph idx="1"/>
-          </p:nvPr>
-        </p:nvSpPr>
-        <p:spPr/>
-        <p:txBody>
-          <a:bodyPr/>
-          <a:lstStyle/>
-          <a:p>
-            <a:r>
-              <a:rPr lang="en-US" dirty="0" smtClean="0"/>
-              <a:t>Examples of reference data types are class, Arrays, String, Interface, etc.</a:t>
-            </a:r>
-          </a:p>
-          <a:p>
-            <a:r>
-              <a:rPr lang="en-US" dirty="0" smtClean="0"/>
-              <a:t>It is not pre-defined except the String.</a:t>
-            </a:r>
-          </a:p>
-          <a:p>
-            <a:r>
-              <a:rPr lang="en-US" dirty="0" smtClean="0"/>
-              <a:t>It can be null</a:t>
-            </a:r>
-            <a:endParaRPr lang="en-US" dirty="0"/>
-          </a:p>
-        </p:txBody>
-      </p:sp>
-    </p:spTree>
-  </p:cSld>
-  <p:clrMapOvr>
-    <a:masterClrMapping/>
-  </p:clrMapOvr>
-</p:sld>
-</file>
-
-<file path=ppt/slides/slide14.xml><?xml version="1.0" encoding="utf-8"?>
-<p:sld xmlns:a="http://schemas.openxmlformats.org/drawingml/2006/main" xmlns:r="http://schemas.openxmlformats.org/officeDocument/2006/relationships" xmlns:p="http://schemas.openxmlformats.org/presentationml/2006/main">
-  <p:cSld>
-    <p:spTree>
-      <p:nvGrpSpPr>
-        <p:cNvPr id="1" name=""/>
-        <p:cNvGrpSpPr/>
-        <p:nvPr/>
-      </p:nvGrpSpPr>
-      <p:grpSpPr>
-        <a:xfrm>
-          <a:off x="0" y="0"/>
-          <a:ext cx="0" cy="0"/>
-          <a:chOff x="0" y="0"/>
-          <a:chExt cx="0" cy="0"/>
-        </a:xfrm>
-      </p:grpSpPr>
-      <p:sp>
-        <p:nvSpPr>
-          <p:cNvPr id="2" name="Title 1"/>
-          <p:cNvSpPr>
-            <a:spLocks noGrp="1"/>
-          </p:cNvSpPr>
-          <p:nvPr>
-            <p:ph type="title"/>
-          </p:nvPr>
-        </p:nvSpPr>
-        <p:spPr/>
-        <p:txBody>
-          <a:bodyPr/>
-          <a:lstStyle/>
-          <a:p>
-            <a:r>
-              <a:rPr lang="en-US" dirty="0" err="1" smtClean="0"/>
-              <a:t>AutoBoxing</a:t>
-            </a:r>
-            <a:r>
-              <a:rPr lang="en-US" dirty="0" smtClean="0"/>
-              <a:t> and </a:t>
-            </a:r>
-            <a:r>
-              <a:rPr lang="en-US" dirty="0" err="1" smtClean="0"/>
-              <a:t>UnBpxing</a:t>
-            </a:r>
-            <a:endParaRPr lang="en-US" dirty="0"/>
-          </a:p>
-        </p:txBody>
-      </p:sp>
-      <p:sp>
-        <p:nvSpPr>
-          <p:cNvPr id="3" name="Content Placeholder 2"/>
-          <p:cNvSpPr>
-            <a:spLocks noGrp="1"/>
-          </p:cNvSpPr>
-          <p:nvPr>
-            <p:ph idx="1"/>
-          </p:nvPr>
-        </p:nvSpPr>
-        <p:spPr/>
-        <p:txBody>
-          <a:bodyPr>
-            <a:normAutofit/>
-          </a:bodyPr>
-          <a:lstStyle/>
-          <a:p>
-            <a:r>
-              <a:rPr lang="en-US" sz="2200" dirty="0" smtClean="0"/>
-              <a:t>The conversion of primitive type to reference type is called </a:t>
-            </a:r>
-            <a:r>
-              <a:rPr lang="en-US" sz="2200" b="1" dirty="0" err="1" smtClean="0">
-                <a:hlinkClick r:id="rId2"/>
-              </a:rPr>
-              <a:t>autoboxing</a:t>
-            </a:r>
-            <a:r>
-              <a:rPr lang="en-US" sz="2200" dirty="0" smtClean="0"/>
-              <a:t> and the conversion of reference type to primitive type is called </a:t>
-            </a:r>
-            <a:r>
-              <a:rPr lang="en-US" sz="2200" b="1" dirty="0" err="1" smtClean="0">
-                <a:hlinkClick r:id="rId2"/>
-              </a:rPr>
-              <a:t>unboxing</a:t>
-            </a:r>
-            <a:r>
-              <a:rPr lang="en-US" sz="2200" dirty="0" smtClean="0"/>
-              <a:t>.</a:t>
-            </a:r>
-          </a:p>
-          <a:p>
-            <a:pPr fontAlgn="base">
-              <a:buNone/>
-            </a:pPr>
-            <a:endParaRPr lang="en-US" sz="2200" dirty="0" smtClean="0"/>
-          </a:p>
-          <a:p>
-            <a:pPr fontAlgn="base">
-              <a:buNone/>
-            </a:pPr>
-            <a:r>
-              <a:rPr lang="en-US" sz="2200" dirty="0" smtClean="0"/>
-              <a:t>The Java compiler applies the feature: </a:t>
-            </a:r>
-          </a:p>
-          <a:p>
-            <a:endParaRPr lang="en-US" dirty="0"/>
-          </a:p>
-        </p:txBody>
-      </p:sp>
-    </p:spTree>
-  </p:cSld>
-  <p:clrMapOvr>
-    <a:masterClrMapping/>
-  </p:clrMapOvr>
-</p:sld>
-</file>
-
-<file path=ppt/slides/slide15.xml><?xml version="1.0" encoding="utf-8"?>
-<p:sld xmlns:a="http://schemas.openxmlformats.org/drawingml/2006/main" xmlns:r="http://schemas.openxmlformats.org/officeDocument/2006/relationships" xmlns:p="http://schemas.openxmlformats.org/presentationml/2006/main">
-  <p:cSld>
-    <p:spTree>
-      <p:nvGrpSpPr>
-        <p:cNvPr id="1" name=""/>
-        <p:cNvGrpSpPr/>
-        <p:nvPr/>
-      </p:nvGrpSpPr>
-      <p:grpSpPr>
-        <a:xfrm>
-          <a:off x="0" y="0"/>
-          <a:ext cx="0" cy="0"/>
-          <a:chOff x="0" y="0"/>
-          <a:chExt cx="0" cy="0"/>
-        </a:xfrm>
-      </p:grpSpPr>
-      <p:sp>
-        <p:nvSpPr>
-          <p:cNvPr id="2" name="Title 1"/>
-          <p:cNvSpPr>
-            <a:spLocks noGrp="1"/>
-          </p:cNvSpPr>
-          <p:nvPr>
-            <p:ph type="title"/>
-          </p:nvPr>
-        </p:nvSpPr>
-        <p:spPr/>
-        <p:txBody>
-          <a:bodyPr/>
-          <a:lstStyle/>
-          <a:p>
-            <a:endParaRPr lang="en-US"/>
-          </a:p>
-        </p:txBody>
-      </p:sp>
-      <p:sp>
-        <p:nvSpPr>
-          <p:cNvPr id="3" name="Content Placeholder 2"/>
-          <p:cNvSpPr>
-            <a:spLocks noGrp="1"/>
-          </p:cNvSpPr>
-          <p:nvPr>
-            <p:ph idx="1"/>
-          </p:nvPr>
-        </p:nvSpPr>
-        <p:spPr/>
-        <p:txBody>
-          <a:bodyPr>
-            <a:normAutofit lnSpcReduction="10000"/>
-          </a:bodyPr>
-          <a:lstStyle/>
-          <a:p>
-            <a:r>
-              <a:rPr lang="en-US" dirty="0" err="1" smtClean="0"/>
-              <a:t>booleanBoolean</a:t>
-            </a:r>
-            <a:endParaRPr lang="en-US" dirty="0" smtClean="0"/>
-          </a:p>
-          <a:p>
-            <a:r>
-              <a:rPr lang="en-US" dirty="0" err="1" smtClean="0"/>
-              <a:t>byteByte</a:t>
-            </a:r>
-            <a:endParaRPr lang="en-US" dirty="0" smtClean="0"/>
-          </a:p>
-          <a:p>
-            <a:r>
-              <a:rPr lang="en-US" dirty="0" err="1" smtClean="0"/>
-              <a:t>charCharacter</a:t>
-            </a:r>
-            <a:endParaRPr lang="en-US" dirty="0" smtClean="0"/>
-          </a:p>
-          <a:p>
-            <a:r>
-              <a:rPr lang="en-US" dirty="0" smtClean="0"/>
-              <a:t>float </a:t>
-            </a:r>
-            <a:r>
-              <a:rPr lang="en-US" dirty="0" err="1" smtClean="0"/>
-              <a:t>Float</a:t>
-            </a:r>
-            <a:endParaRPr lang="en-US" dirty="0" smtClean="0"/>
-          </a:p>
-          <a:p>
-            <a:r>
-              <a:rPr lang="en-US" dirty="0" err="1" smtClean="0"/>
-              <a:t>int</a:t>
-            </a:r>
-            <a:r>
-              <a:rPr lang="en-US" dirty="0" smtClean="0"/>
-              <a:t> Integer</a:t>
-            </a:r>
-          </a:p>
-          <a:p>
-            <a:r>
-              <a:rPr lang="en-US" dirty="0" smtClean="0"/>
-              <a:t>long </a:t>
-            </a:r>
-            <a:r>
-              <a:rPr lang="en-US" dirty="0" err="1" smtClean="0"/>
-              <a:t>Long</a:t>
-            </a:r>
-            <a:endParaRPr lang="en-US" dirty="0" smtClean="0"/>
-          </a:p>
-          <a:p>
-            <a:r>
-              <a:rPr lang="en-US" dirty="0" smtClean="0"/>
-              <a:t>short </a:t>
-            </a:r>
-            <a:r>
-              <a:rPr lang="en-US" dirty="0" err="1" smtClean="0"/>
-              <a:t>Short</a:t>
-            </a:r>
-            <a:endParaRPr lang="en-US" dirty="0" smtClean="0"/>
-          </a:p>
-          <a:p>
-            <a:r>
-              <a:rPr lang="en-US" dirty="0" err="1" smtClean="0"/>
-              <a:t>doubleDouble</a:t>
-            </a:r>
-            <a:endParaRPr lang="en-US" dirty="0"/>
-          </a:p>
-        </p:txBody>
-      </p:sp>
-    </p:spTree>
-  </p:cSld>
-  <p:clrMapOvr>
-    <a:masterClrMapping/>
-  </p:clrMapOvr>
-</p:sld>
-</file>
-
-<file path=ppt/slides/slide16.xml><?xml version="1.0" encoding="utf-8"?>
-<p:sld xmlns:a="http://schemas.openxmlformats.org/drawingml/2006/main" xmlns:r="http://schemas.openxmlformats.org/officeDocument/2006/relationships" xmlns:p="http://schemas.openxmlformats.org/presentationml/2006/main">
-  <p:cSld>
-    <p:spTree>
-      <p:nvGrpSpPr>
-        <p:cNvPr id="1" name=""/>
-        <p:cNvGrpSpPr/>
-        <p:nvPr/>
-      </p:nvGrpSpPr>
-      <p:grpSpPr>
-        <a:xfrm>
-          <a:off x="0" y="0"/>
-          <a:ext cx="0" cy="0"/>
-          <a:chOff x="0" y="0"/>
-          <a:chExt cx="0" cy="0"/>
-        </a:xfrm>
-      </p:grpSpPr>
-      <p:sp>
-        <p:nvSpPr>
-          <p:cNvPr id="2" name="Title 1"/>
-          <p:cNvSpPr>
-            <a:spLocks noGrp="1"/>
-          </p:cNvSpPr>
-          <p:nvPr>
-            <p:ph type="title"/>
-          </p:nvPr>
-        </p:nvSpPr>
-        <p:spPr/>
-        <p:txBody>
-          <a:bodyPr/>
-          <a:lstStyle/>
-          <a:p>
-            <a:r>
-              <a:rPr lang="en-US" dirty="0" smtClean="0"/>
-              <a:t>Variables</a:t>
-            </a:r>
-            <a:endParaRPr lang="en-US" dirty="0"/>
-          </a:p>
-        </p:txBody>
-      </p:sp>
-      <p:sp>
-        <p:nvSpPr>
-          <p:cNvPr id="3" name="Content Placeholder 2"/>
-          <p:cNvSpPr>
-            <a:spLocks noGrp="1"/>
-          </p:cNvSpPr>
-          <p:nvPr>
-            <p:ph idx="1"/>
-          </p:nvPr>
-        </p:nvSpPr>
-        <p:spPr/>
-        <p:txBody>
-          <a:bodyPr>
-            <a:normAutofit/>
-          </a:bodyPr>
-          <a:lstStyle/>
-          <a:p>
-            <a:r>
-              <a:rPr lang="en-US" sz="1400" dirty="0" smtClean="0"/>
-              <a:t>local variable</a:t>
-            </a:r>
-          </a:p>
-          <a:p>
-            <a:r>
-              <a:rPr lang="en-US" sz="1400" dirty="0" smtClean="0"/>
-              <a:t>instance variable</a:t>
-            </a:r>
-          </a:p>
-          <a:p>
-            <a:r>
-              <a:rPr lang="en-US" sz="1400" dirty="0" smtClean="0"/>
-              <a:t>static variable</a:t>
-            </a:r>
-          </a:p>
-          <a:p>
-            <a:r>
-              <a:rPr lang="en-US" sz="1400" dirty="0" smtClean="0"/>
-              <a:t>A variable declared inside the body of the method is called local variable. You can use this variable only within that method and the other methods in the class aren't even aware that the variable exists.</a:t>
-            </a:r>
-          </a:p>
-          <a:p>
-            <a:endParaRPr lang="en-US" sz="1400" dirty="0" smtClean="0"/>
-          </a:p>
-          <a:p>
-            <a:r>
-              <a:rPr lang="en-US" sz="1400" dirty="0" smtClean="0"/>
-              <a:t>A variable declared inside the class but outside the body of the method, is called an instance variable. It is not declared as </a:t>
-            </a:r>
-            <a:r>
-              <a:rPr lang="en-US" sz="1400" dirty="0" smtClean="0">
-                <a:hlinkClick r:id="rId2"/>
-              </a:rPr>
-              <a:t>static</a:t>
-            </a:r>
-            <a:r>
-              <a:rPr lang="en-US" sz="1400" dirty="0" smtClean="0"/>
-              <a:t>.</a:t>
-            </a:r>
-          </a:p>
-          <a:p>
-            <a:endParaRPr lang="en-US" sz="1400" dirty="0" smtClean="0"/>
-          </a:p>
-          <a:p>
-            <a:r>
-              <a:rPr lang="en-US" sz="1400" dirty="0" smtClean="0"/>
-              <a:t>A variable that is declared as static is called a static variable. It cannot be local. You can create a single copy of the static variable and share it among all the instances of the class. Memory allocation for static variables happens only once when the class is loaded in the memory.</a:t>
-            </a:r>
-            <a:endParaRPr lang="en-US" sz="1400" dirty="0"/>
-          </a:p>
-        </p:txBody>
-      </p:sp>
-    </p:spTree>
-  </p:cSld>
-  <p:clrMapOvr>
-    <a:masterClrMapping/>
-  </p:clrMapOvr>
-</p:sld>
-</file>
-
-<file path=ppt/slides/slide17.xml><?xml version="1.0" encoding="utf-8"?>
-<p:sld xmlns:a="http://schemas.openxmlformats.org/drawingml/2006/main" xmlns:r="http://schemas.openxmlformats.org/officeDocument/2006/relationships" xmlns:p="http://schemas.openxmlformats.org/presentationml/2006/main">
-  <p:cSld>
-    <p:spTree>
-      <p:nvGrpSpPr>
-        <p:cNvPr id="1" name=""/>
-        <p:cNvGrpSpPr/>
-        <p:nvPr/>
-      </p:nvGrpSpPr>
-      <p:grpSpPr>
-        <a:xfrm>
-          <a:off x="0" y="0"/>
-          <a:ext cx="0" cy="0"/>
-          <a:chOff x="0" y="0"/>
-          <a:chExt cx="0" cy="0"/>
-        </a:xfrm>
-      </p:grpSpPr>
-      <p:sp>
-        <p:nvSpPr>
-          <p:cNvPr id="2" name="Title 1"/>
-          <p:cNvSpPr>
-            <a:spLocks noGrp="1"/>
-          </p:cNvSpPr>
-          <p:nvPr>
-            <p:ph type="title"/>
-          </p:nvPr>
-        </p:nvSpPr>
-        <p:spPr/>
-        <p:txBody>
-          <a:bodyPr/>
-          <a:lstStyle/>
-          <a:p>
-            <a:r>
-              <a:rPr lang="en-US" dirty="0" smtClean="0"/>
-              <a:t>Operators</a:t>
-            </a:r>
-            <a:endParaRPr lang="en-US" dirty="0"/>
-          </a:p>
-        </p:txBody>
-      </p:sp>
-      <p:sp>
-        <p:nvSpPr>
-          <p:cNvPr id="3" name="Content Placeholder 2"/>
-          <p:cNvSpPr>
-            <a:spLocks noGrp="1"/>
-          </p:cNvSpPr>
-          <p:nvPr>
-            <p:ph idx="1"/>
-          </p:nvPr>
-        </p:nvSpPr>
-        <p:spPr/>
-        <p:txBody>
-          <a:bodyPr/>
-          <a:lstStyle/>
-          <a:p>
-            <a:r>
-              <a:rPr lang="en-US" dirty="0" smtClean="0"/>
-              <a:t>Arithmetic operators</a:t>
-            </a:r>
-          </a:p>
-          <a:p>
-            <a:r>
-              <a:rPr lang="en-US" dirty="0" smtClean="0"/>
-              <a:t>Assignment operators</a:t>
-            </a:r>
-          </a:p>
-          <a:p>
-            <a:r>
-              <a:rPr lang="en-US" dirty="0" smtClean="0"/>
-              <a:t>Comparison operators</a:t>
-            </a:r>
-          </a:p>
-          <a:p>
-            <a:r>
-              <a:rPr lang="en-US" dirty="0" smtClean="0"/>
-              <a:t>Logical operators</a:t>
-            </a:r>
-          </a:p>
-          <a:p>
-            <a:r>
-              <a:rPr lang="en-US" dirty="0" smtClean="0"/>
-              <a:t>Bitwise operators</a:t>
-            </a:r>
-          </a:p>
-          <a:p>
-            <a:endParaRPr lang="en-US" dirty="0"/>
-          </a:p>
-        </p:txBody>
-      </p:sp>
-    </p:spTree>
-  </p:cSld>
-  <p:clrMapOvr>
-    <a:masterClrMapping/>
-  </p:clrMapOvr>
-</p:sld>
-</file>
-
 <file path=ppt/slides/slide18.xml><?xml version="1.0" encoding="utf-8"?>
 <p:sld xmlns:a="http://schemas.openxmlformats.org/drawingml/2006/main" xmlns:r="http://schemas.openxmlformats.org/officeDocument/2006/relationships" xmlns:p="http://schemas.openxmlformats.org/presentationml/2006/main">
   <p:cSld>
@@ -6149,8 +6248,8 @@
           <a:lstStyle/>
           <a:p>
             <a:r>
-              <a:rPr lang="en-US" dirty="0" smtClean="0"/>
-              <a:t>Arithmetic</a:t>
+              <a:rPr lang="en-US" dirty="0" err="1" smtClean="0"/>
+              <a:t>Prmitive</a:t>
             </a:r>
             <a:endParaRPr lang="en-US" dirty="0"/>
           </a:p>
@@ -6168,24 +6267,46 @@
         </p:nvSpPr>
         <p:spPr/>
         <p:txBody>
-          <a:bodyPr/>
-          <a:lstStyle/>
-          <a:p>
-            <a:r>
-              <a:rPr lang="en-US" dirty="0" smtClean="0"/>
-              <a:t>% Modulus</a:t>
-            </a:r>
-          </a:p>
-          <a:p>
-            <a:r>
-              <a:rPr lang="en-US" dirty="0" smtClean="0"/>
-              <a:t>++Increment</a:t>
-            </a:r>
-          </a:p>
-          <a:p>
-            <a:r>
-              <a:rPr lang="en-US" dirty="0" smtClean="0"/>
-              <a:t>--Decrement</a:t>
+          <a:bodyPr>
+            <a:normAutofit fontScale="92500" lnSpcReduction="20000"/>
+          </a:bodyPr>
+          <a:lstStyle/>
+          <a:p>
+            <a:r>
+              <a:rPr lang="en-US" dirty="0" smtClean="0"/>
+              <a:t>It cannot be null. It always has value.</a:t>
+            </a:r>
+          </a:p>
+          <a:p>
+            <a:r>
+              <a:rPr lang="en-US" dirty="0" smtClean="0"/>
+              <a:t>The size of a primitive type depends on the data type.</a:t>
+            </a:r>
+          </a:p>
+          <a:p>
+            <a:r>
+              <a:rPr lang="en-US" dirty="0" smtClean="0"/>
+              <a:t>All primitive type begins with a lowercase letter</a:t>
+            </a:r>
+          </a:p>
+          <a:p>
+            <a:r>
+              <a:rPr lang="en-US" dirty="0" smtClean="0"/>
+              <a:t>Primitive types are predefined (already defined) in Java</a:t>
+            </a:r>
+            <a:r>
+              <a:rPr lang="en-US" dirty="0" smtClean="0"/>
+              <a:t>.</a:t>
+            </a:r>
+          </a:p>
+          <a:p>
+            <a:r>
+              <a:rPr lang="en-US" dirty="0" smtClean="0"/>
+              <a:t>new</a:t>
+            </a:r>
+            <a:r>
+              <a:rPr lang="en-US" dirty="0" smtClean="0"/>
+              <a:t> keyword isn't used when initializing a variable of a primitive type. Primitive types are special data types built into the language; they are not objects created from a class</a:t>
             </a:r>
             <a:endParaRPr lang="en-US" dirty="0"/>
           </a:p>
@@ -6233,7 +6354,7 @@
           <a:p>
             <a:r>
               <a:rPr lang="en-US" dirty="0" smtClean="0"/>
-              <a:t>Type Casting</a:t>
+              <a:t>Non Primitive data </a:t>
             </a:r>
             <a:endParaRPr lang="en-US" dirty="0"/>
           </a:p>
@@ -6251,66 +6372,37 @@
         </p:nvSpPr>
         <p:spPr/>
         <p:txBody>
-          <a:bodyPr>
-            <a:normAutofit fontScale="92500" lnSpcReduction="20000"/>
-          </a:bodyPr>
-          <a:lstStyle/>
-          <a:p>
-            <a:r>
-              <a:rPr lang="en-US" dirty="0" smtClean="0"/>
-              <a:t>Type casting is when you assign a value of one primitive data type to another type</a:t>
-            </a:r>
-          </a:p>
-          <a:p>
-            <a:endParaRPr lang="en-US" dirty="0" smtClean="0"/>
-          </a:p>
-          <a:p>
-            <a:pPr>
-              <a:buNone/>
-            </a:pPr>
-            <a:r>
-              <a:rPr lang="en-US" b="1" dirty="0" smtClean="0"/>
-              <a:t>Widening Casting</a:t>
-            </a:r>
-            <a:r>
-              <a:rPr lang="en-US" dirty="0" smtClean="0"/>
-              <a:t> (automatically) - converting a smaller type to a larger type size</a:t>
-            </a:r>
-            <a:br>
-              <a:rPr lang="en-US" dirty="0" smtClean="0"/>
-            </a:br>
-            <a:r>
-              <a:rPr lang="en-US" dirty="0" smtClean="0"/>
-              <a:t/>
-            </a:r>
-            <a:br>
-              <a:rPr lang="en-US" dirty="0" smtClean="0"/>
-            </a:br>
-            <a:r>
-              <a:rPr lang="en-US" dirty="0" smtClean="0"/>
-              <a:t/>
-            </a:r>
-            <a:br>
-              <a:rPr lang="en-US" dirty="0" smtClean="0"/>
-            </a:br>
-            <a:endParaRPr lang="en-US" dirty="0" smtClean="0"/>
-          </a:p>
-          <a:p>
-            <a:pPr>
-              <a:buNone/>
-            </a:pPr>
-            <a:r>
-              <a:rPr lang="en-US" b="1" dirty="0" smtClean="0"/>
-              <a:t>Narrowing Casting</a:t>
-            </a:r>
-            <a:r>
-              <a:rPr lang="en-US" dirty="0" smtClean="0"/>
-              <a:t> (manually) - converting a larger type to a smaller size type</a:t>
-            </a:r>
-            <a:br>
-              <a:rPr lang="en-US" dirty="0" smtClean="0"/>
-            </a:br>
-            <a:endParaRPr lang="en-US" dirty="0" smtClean="0"/>
+          <a:bodyPr/>
+          <a:lstStyle/>
+          <a:p>
+            <a:r>
+              <a:rPr lang="en-US" dirty="0" smtClean="0"/>
+              <a:t>Examples of reference data types are class, Arrays, String, Interface, etc.</a:t>
+            </a:r>
+          </a:p>
+          <a:p>
+            <a:r>
+              <a:rPr lang="en-US" dirty="0" smtClean="0"/>
+              <a:t>It </a:t>
+            </a:r>
+            <a:r>
+              <a:rPr lang="en-US" dirty="0" smtClean="0"/>
+              <a:t>can be </a:t>
+            </a:r>
+            <a:r>
+              <a:rPr lang="en-US" dirty="0" smtClean="0"/>
+              <a:t>null</a:t>
+            </a:r>
+          </a:p>
+          <a:p>
+            <a:r>
+              <a:rPr lang="en-US" dirty="0" smtClean="0"/>
+              <a:t>Non-primitive </a:t>
+            </a:r>
+            <a:r>
+              <a:rPr lang="en-US" dirty="0" smtClean="0"/>
+              <a:t>types are created by the programmer and is not defined by Java (except for String).</a:t>
+            </a:r>
           </a:p>
           <a:p>
             <a:endParaRPr lang="en-US" dirty="0"/>
@@ -6486,11 +6578,7 @@
           <a:bodyPr/>
           <a:lstStyle/>
           <a:p>
-            <a:r>
-              <a:rPr lang="en-US" dirty="0" smtClean="0"/>
-              <a:t>Control structures</a:t>
-            </a:r>
-            <a:endParaRPr lang="en-US" dirty="0"/>
+            <a:endParaRPr lang="en-US"/>
           </a:p>
         </p:txBody>
       </p:sp>
@@ -6507,73 +6595,83 @@
         <p:spPr/>
         <p:txBody>
           <a:bodyPr>
-            <a:normAutofit lnSpcReduction="10000"/>
+            <a:normAutofit/>
           </a:bodyPr>
           <a:lstStyle/>
           <a:p>
             <a:r>
               <a:rPr lang="en-US" dirty="0" smtClean="0"/>
-              <a:t>The </a:t>
-            </a:r>
-            <a:r>
-              <a:rPr lang="en-US" i="1" dirty="0" smtClean="0"/>
-              <a:t>while </a:t>
-            </a:r>
-            <a:r>
-              <a:rPr lang="en-US" i="1" dirty="0" smtClean="0"/>
-              <a:t>loop</a:t>
-            </a:r>
-            <a:r>
-              <a:rPr lang="en-US" dirty="0" smtClean="0"/>
-              <a:t> is used to iterate a part of the </a:t>
+              <a:t>   </a:t>
             </a:r>
             <a:r>
               <a:rPr lang="en-US" dirty="0" err="1" smtClean="0"/>
-              <a:t>programe</a:t>
-            </a:r>
-            <a:r>
-              <a:rPr lang="en-US" dirty="0" smtClean="0"/>
-              <a:t> repeatedly </a:t>
-            </a:r>
-            <a:r>
-              <a:rPr lang="en-US" dirty="0" smtClean="0"/>
-              <a:t>until the specified Boolean condition is true. </a:t>
-            </a:r>
-            <a:endParaRPr lang="en-US" dirty="0" smtClean="0"/>
-          </a:p>
-          <a:p>
-            <a:r>
-              <a:rPr lang="en-US" dirty="0" smtClean="0"/>
-              <a:t>When the </a:t>
-            </a:r>
-            <a:r>
-              <a:rPr lang="en-US" dirty="0" smtClean="0"/>
-              <a:t>Boolean condition becomes false, the loop automatically stops</a:t>
-            </a:r>
-            <a:r>
-              <a:rPr lang="en-US" dirty="0" smtClean="0"/>
-              <a:t>.</a:t>
-            </a:r>
-          </a:p>
-          <a:p>
-            <a:r>
-              <a:rPr lang="en-US" dirty="0" smtClean="0"/>
-              <a:t>The while loop is considered as a repeating if statement. </a:t>
-            </a:r>
-            <a:endParaRPr lang="en-US" dirty="0" smtClean="0"/>
-          </a:p>
-          <a:p>
-            <a:r>
-              <a:rPr lang="en-US" dirty="0" smtClean="0"/>
-              <a:t>If </a:t>
-            </a:r>
-            <a:r>
-              <a:rPr lang="en-US" dirty="0" smtClean="0"/>
-              <a:t>the number of iteration is not fixed, it is recommended to use the while </a:t>
-            </a:r>
-            <a:r>
-              <a:rPr lang="en-US" dirty="0" smtClean="0"/>
-              <a:t>loop</a:t>
+              <a:t>int</a:t>
+            </a:r>
+            <a:r>
+              <a:rPr lang="en-US" dirty="0" smtClean="0"/>
+              <a:t> </a:t>
+            </a:r>
+            <a:r>
+              <a:rPr lang="en-US" dirty="0" err="1" smtClean="0"/>
+              <a:t>myNum</a:t>
+            </a:r>
+            <a:r>
+              <a:rPr lang="en-US" dirty="0" smtClean="0"/>
+              <a:t> = 5;               // integer (whole number)</a:t>
+            </a:r>
+          </a:p>
+          <a:p>
+            <a:r>
+              <a:rPr lang="en-US" dirty="0" smtClean="0"/>
+              <a:t>    float </a:t>
+            </a:r>
+            <a:r>
+              <a:rPr lang="en-US" dirty="0" err="1" smtClean="0"/>
+              <a:t>myFloatNum</a:t>
+            </a:r>
+            <a:r>
+              <a:rPr lang="en-US" dirty="0" smtClean="0"/>
+              <a:t> = 5.99f;    // floating point number</a:t>
+            </a:r>
+          </a:p>
+          <a:p>
+            <a:r>
+              <a:rPr lang="en-US" dirty="0" smtClean="0"/>
+              <a:t>    char </a:t>
+            </a:r>
+            <a:r>
+              <a:rPr lang="en-US" dirty="0" err="1" smtClean="0"/>
+              <a:t>myLetter</a:t>
+            </a:r>
+            <a:r>
+              <a:rPr lang="en-US" dirty="0" smtClean="0"/>
+              <a:t> = 'D';         // character</a:t>
+            </a:r>
+          </a:p>
+          <a:p>
+            <a:r>
+              <a:rPr lang="en-US" dirty="0" smtClean="0"/>
+              <a:t>    </a:t>
+            </a:r>
+            <a:r>
+              <a:rPr lang="en-US" dirty="0" err="1" smtClean="0"/>
+              <a:t>boolean</a:t>
+            </a:r>
+            <a:r>
+              <a:rPr lang="en-US" dirty="0" smtClean="0"/>
+              <a:t> </a:t>
+            </a:r>
+            <a:r>
+              <a:rPr lang="en-US" dirty="0" err="1" smtClean="0"/>
+              <a:t>myBool</a:t>
+            </a:r>
+            <a:r>
+              <a:rPr lang="en-US" dirty="0" smtClean="0"/>
+              <a:t> = true;       // </a:t>
+            </a:r>
+            <a:r>
+              <a:rPr lang="en-US" dirty="0" err="1" smtClean="0"/>
+              <a:t>boolean</a:t>
             </a:r>
             <a:endParaRPr lang="en-US" dirty="0" smtClean="0"/>
           </a:p>
@@ -6620,8 +6718,16 @@
           <a:lstStyle/>
           <a:p>
             <a:r>
-              <a:rPr lang="en-US" dirty="0" smtClean="0"/>
-              <a:t>Do -while</a:t>
+              <a:rPr lang="en-US" dirty="0" err="1" smtClean="0"/>
+              <a:t>AutoBoxing</a:t>
+            </a:r>
+            <a:r>
+              <a:rPr lang="en-US" dirty="0" smtClean="0"/>
+              <a:t> and </a:t>
+            </a:r>
+            <a:r>
+              <a:rPr lang="en-US" dirty="0" err="1" smtClean="0"/>
+              <a:t>UnBpxing</a:t>
             </a:r>
             <a:endParaRPr lang="en-US" dirty="0"/>
           </a:p>
@@ -6639,21 +6745,52 @@
         </p:nvSpPr>
         <p:spPr/>
         <p:txBody>
-          <a:bodyPr/>
-          <a:lstStyle/>
-          <a:p>
-            <a:r>
-              <a:rPr lang="en-US" dirty="0" smtClean="0"/>
-              <a:t>Java do-while loop is called an </a:t>
-            </a:r>
-            <a:r>
-              <a:rPr lang="en-US" b="1" dirty="0" smtClean="0"/>
-              <a:t>exit control loop</a:t>
-            </a:r>
-            <a:r>
-              <a:rPr lang="en-US" dirty="0" smtClean="0"/>
-              <a:t>. Therefore, unlike while loop and for loop, the do-while check the condition at the end of loop body</a:t>
-            </a:r>
+          <a:bodyPr>
+            <a:normAutofit/>
+          </a:bodyPr>
+          <a:lstStyle/>
+          <a:p>
+            <a:r>
+              <a:rPr lang="en-US" sz="2200" dirty="0" smtClean="0"/>
+              <a:t>The conversion of primitive type to reference type is called </a:t>
+            </a:r>
+            <a:r>
+              <a:rPr lang="en-US" sz="2200" b="1" dirty="0" err="1" smtClean="0">
+                <a:hlinkClick r:id="rId2"/>
+              </a:rPr>
+              <a:t>autoboxing</a:t>
+            </a:r>
+            <a:r>
+              <a:rPr lang="en-US" sz="2200" dirty="0" smtClean="0"/>
+              <a:t> and the conversion of reference type to primitive type is called </a:t>
+            </a:r>
+            <a:r>
+              <a:rPr lang="en-US" sz="2200" b="1" dirty="0" err="1" smtClean="0">
+                <a:hlinkClick r:id="rId2"/>
+              </a:rPr>
+              <a:t>unboxing</a:t>
+            </a:r>
+            <a:r>
+              <a:rPr lang="en-US" sz="2200" dirty="0" smtClean="0"/>
+              <a:t>.</a:t>
+            </a:r>
+          </a:p>
+          <a:p>
+            <a:pPr fontAlgn="base">
+              <a:buNone/>
+            </a:pPr>
+            <a:endParaRPr lang="en-US" sz="2200" dirty="0" smtClean="0"/>
+          </a:p>
+          <a:p>
+            <a:pPr fontAlgn="base">
+              <a:buNone/>
+            </a:pPr>
+            <a:r>
+              <a:rPr lang="en-US" sz="2200" dirty="0" smtClean="0"/>
+              <a:t>The Java compiler applies the feature: </a:t>
+            </a:r>
+          </a:p>
+          <a:p>
             <a:endParaRPr lang="en-US" dirty="0"/>
           </a:p>
         </p:txBody>
@@ -6698,11 +6835,7 @@
           <a:bodyPr/>
           <a:lstStyle/>
           <a:p>
-            <a:r>
-              <a:rPr lang="en-US" dirty="0" smtClean="0"/>
-              <a:t>Switch</a:t>
-            </a:r>
-            <a:endParaRPr lang="en-US" dirty="0"/>
+            <a:endParaRPr lang="en-US"/>
           </a:p>
         </p:txBody>
       </p:sp>
@@ -6718,56 +6851,78 @@
         </p:nvSpPr>
         <p:spPr/>
         <p:txBody>
-          <a:bodyPr/>
-          <a:lstStyle/>
-          <a:p>
-            <a:r>
-              <a:rPr lang="en-US" dirty="0" smtClean="0"/>
-              <a:t>The Java </a:t>
-            </a:r>
-            <a:r>
-              <a:rPr lang="en-US" i="1" dirty="0" smtClean="0"/>
-              <a:t>switch statement</a:t>
-            </a:r>
-            <a:r>
-              <a:rPr lang="en-US" dirty="0" smtClean="0"/>
-              <a:t> executes one statement from multiple </a:t>
-            </a:r>
-            <a:r>
-              <a:rPr lang="en-US" dirty="0" smtClean="0"/>
-              <a:t>conditions</a:t>
-            </a:r>
-          </a:p>
-          <a:p>
-            <a:r>
-              <a:rPr lang="en-US" dirty="0" smtClean="0"/>
-              <a:t>Each case statement can have a </a:t>
-            </a:r>
-            <a:r>
-              <a:rPr lang="en-US" i="1" dirty="0" smtClean="0"/>
-              <a:t>break statement</a:t>
-            </a:r>
-            <a:r>
-              <a:rPr lang="en-US" dirty="0" smtClean="0"/>
-              <a:t> which is optional. When control reaches to the break </a:t>
-            </a:r>
-            <a:r>
-              <a:rPr lang="en-US" dirty="0" smtClean="0"/>
-              <a:t>statement</a:t>
-            </a:r>
-          </a:p>
-          <a:p>
-            <a:r>
-              <a:rPr lang="en-US" dirty="0" smtClean="0"/>
-              <a:t>The case value can have a </a:t>
-            </a:r>
-            <a:r>
-              <a:rPr lang="en-US" i="1" dirty="0" smtClean="0"/>
-              <a:t>default label</a:t>
-            </a:r>
-            <a:r>
-              <a:rPr lang="en-US" dirty="0" smtClean="0"/>
-              <a:t> which is optional</a:t>
+          <a:bodyPr>
+            <a:normAutofit lnSpcReduction="10000"/>
+          </a:bodyPr>
+          <a:lstStyle/>
+          <a:p>
+            <a:r>
+              <a:rPr lang="en-US" dirty="0" err="1" smtClean="0"/>
+              <a:t>booleanBoolean</a:t>
+            </a:r>
+            <a:endParaRPr lang="en-US" dirty="0" smtClean="0"/>
+          </a:p>
+          <a:p>
+            <a:r>
+              <a:rPr lang="en-US" dirty="0" err="1" smtClean="0"/>
+              <a:t>byteByte</a:t>
+            </a:r>
+            <a:endParaRPr lang="en-US" dirty="0" smtClean="0"/>
+          </a:p>
+          <a:p>
+            <a:r>
+              <a:rPr lang="en-US" dirty="0" err="1" smtClean="0"/>
+              <a:t>charCharacter</a:t>
+            </a:r>
+            <a:endParaRPr lang="en-US" dirty="0" smtClean="0"/>
+          </a:p>
+          <a:p>
+            <a:r>
+              <a:rPr lang="en-US" dirty="0" smtClean="0"/>
+              <a:t>float </a:t>
+            </a:r>
+            <a:r>
+              <a:rPr lang="en-US" dirty="0" err="1" smtClean="0"/>
+              <a:t>Float</a:t>
+            </a:r>
+            <a:endParaRPr lang="en-US" dirty="0" smtClean="0"/>
+          </a:p>
+          <a:p>
+            <a:r>
+              <a:rPr lang="en-US" dirty="0" err="1" smtClean="0"/>
+              <a:t>int</a:t>
+            </a:r>
+            <a:r>
+              <a:rPr lang="en-US" dirty="0" smtClean="0"/>
+              <a:t> Integer</a:t>
+            </a:r>
+          </a:p>
+          <a:p>
+            <a:r>
+              <a:rPr lang="en-US" dirty="0" smtClean="0"/>
+              <a:t>long </a:t>
+            </a:r>
+            <a:r>
+              <a:rPr lang="en-US" dirty="0" err="1" smtClean="0"/>
+              <a:t>Long</a:t>
+            </a:r>
+            <a:endParaRPr lang="en-US" dirty="0" smtClean="0"/>
+          </a:p>
+          <a:p>
+            <a:r>
+              <a:rPr lang="en-US" dirty="0" smtClean="0"/>
+              <a:t>short </a:t>
+            </a:r>
+            <a:r>
+              <a:rPr lang="en-US" dirty="0" err="1" smtClean="0"/>
+              <a:t>Short</a:t>
+            </a:r>
+            <a:endParaRPr lang="en-US" dirty="0" smtClean="0"/>
+          </a:p>
+          <a:p>
+            <a:r>
+              <a:rPr lang="en-US" dirty="0" err="1" smtClean="0"/>
+              <a:t>doubleDouble</a:t>
             </a:r>
             <a:endParaRPr lang="en-US" dirty="0"/>
           </a:p>
@@ -6815,7 +6970,7 @@
           <a:p>
             <a:r>
               <a:rPr lang="en-US" dirty="0" smtClean="0"/>
-              <a:t>Break</a:t>
+              <a:t>Variables</a:t>
             </a:r>
             <a:endParaRPr lang="en-US" dirty="0"/>
           </a:p>
@@ -6833,34 +6988,62 @@
         </p:nvSpPr>
         <p:spPr/>
         <p:txBody>
-          <a:bodyPr/>
-          <a:lstStyle/>
-          <a:p>
-            <a:r>
-              <a:rPr lang="en-US" dirty="0" smtClean="0"/>
-              <a:t>When a break statement is encountered inside a loop, the loop is immediately terminated and the program control resumes at the next statement following the </a:t>
-            </a:r>
-            <a:r>
-              <a:rPr lang="en-US" dirty="0" smtClean="0"/>
-              <a:t>loop</a:t>
-            </a:r>
-          </a:p>
-          <a:p>
-            <a:r>
-              <a:rPr lang="en-US" dirty="0" smtClean="0"/>
-              <a:t>It breaks the current flow of the program at specified </a:t>
-            </a:r>
-            <a:r>
-              <a:rPr lang="en-US" dirty="0" smtClean="0"/>
-              <a:t>condition</a:t>
-            </a:r>
-          </a:p>
-          <a:p>
-            <a:r>
-              <a:rPr lang="en-US" dirty="0" smtClean="0"/>
-              <a:t>In case of inner loop, it breaks only inner loop</a:t>
-            </a:r>
-            <a:endParaRPr lang="en-US" dirty="0"/>
+          <a:bodyPr>
+            <a:normAutofit/>
+          </a:bodyPr>
+          <a:lstStyle/>
+          <a:p>
+            <a:r>
+              <a:rPr lang="en-US" sz="1400" dirty="0" smtClean="0"/>
+              <a:t>local variable</a:t>
+            </a:r>
+          </a:p>
+          <a:p>
+            <a:r>
+              <a:rPr lang="en-US" sz="1400" dirty="0" smtClean="0"/>
+              <a:t>instance variable</a:t>
+            </a:r>
+          </a:p>
+          <a:p>
+            <a:r>
+              <a:rPr lang="en-US" sz="1400" dirty="0" smtClean="0"/>
+              <a:t>static variable</a:t>
+            </a:r>
+          </a:p>
+          <a:p>
+            <a:r>
+              <a:rPr lang="en-US" sz="1400" dirty="0" smtClean="0"/>
+              <a:t>A variable declared inside the body of the method is called local variable. You can use this variable only within that method and the other methods in the class aren't even aware that the variable exists.</a:t>
+            </a:r>
+          </a:p>
+          <a:p>
+            <a:endParaRPr lang="en-US" sz="1400" dirty="0" smtClean="0"/>
+          </a:p>
+          <a:p>
+            <a:r>
+              <a:rPr lang="en-US" sz="1400" dirty="0" smtClean="0"/>
+              <a:t>A variable declared inside the class but outside the body of the method, is called an instance variable. It is not declared as </a:t>
+            </a:r>
+            <a:r>
+              <a:rPr lang="en-US" sz="1400" dirty="0" smtClean="0">
+                <a:hlinkClick r:id="rId2"/>
+              </a:rPr>
+              <a:t>static</a:t>
+            </a:r>
+            <a:r>
+              <a:rPr lang="en-US" sz="1400" dirty="0" smtClean="0"/>
+              <a:t>.</a:t>
+            </a:r>
+          </a:p>
+          <a:p>
+            <a:endParaRPr lang="en-US" sz="1400" dirty="0" smtClean="0"/>
+          </a:p>
+          <a:p>
+            <a:r>
+              <a:rPr lang="en-US" sz="1400" dirty="0" smtClean="0"/>
+              <a:t>A variable that is declared as static is called a static variable. It cannot be local. You can create a single copy of the static variable and share it among all the instances of the class. Memory allocation for static variables happens only once when the class is loaded in the memory.</a:t>
+            </a:r>
+            <a:endParaRPr lang="en-US" sz="1400" dirty="0"/>
           </a:p>
         </p:txBody>
       </p:sp>
@@ -6906,7 +7089,7 @@
           <a:p>
             <a:r>
               <a:rPr lang="en-US" dirty="0" smtClean="0"/>
-              <a:t>Continue</a:t>
+              <a:t>Operators</a:t>
             </a:r>
             <a:endParaRPr lang="en-US" dirty="0"/>
           </a:p>
@@ -6929,17 +7112,682 @@
           <a:p>
             <a:r>
               <a:rPr lang="en-US" dirty="0" smtClean="0"/>
-              <a:t>The Java </a:t>
+              <a:t>Arithmetic operators</a:t>
+            </a:r>
+          </a:p>
+          <a:p>
+            <a:r>
+              <a:rPr lang="en-US" dirty="0" smtClean="0"/>
+              <a:t>Assignment operators</a:t>
+            </a:r>
+          </a:p>
+          <a:p>
+            <a:r>
+              <a:rPr lang="en-US" dirty="0" smtClean="0"/>
+              <a:t>Comparison operators</a:t>
+            </a:r>
+          </a:p>
+          <a:p>
+            <a:r>
+              <a:rPr lang="en-US" dirty="0" smtClean="0"/>
+              <a:t>Logical operators</a:t>
+            </a:r>
+          </a:p>
+          <a:p>
+            <a:r>
+              <a:rPr lang="en-US" dirty="0" smtClean="0"/>
+              <a:t>Bitwise operators</a:t>
+            </a:r>
+          </a:p>
+          <a:p>
+            <a:endParaRPr lang="en-US" dirty="0"/>
+          </a:p>
+        </p:txBody>
+      </p:sp>
+    </p:spTree>
+  </p:cSld>
+  <p:clrMapOvr>
+    <a:masterClrMapping/>
+  </p:clrMapOvr>
+</p:sld>
+</file>
+
+<file path=ppt/slides/slide25.xml><?xml version="1.0" encoding="utf-8"?>
+<p:sld xmlns:a="http://schemas.openxmlformats.org/drawingml/2006/main" xmlns:r="http://schemas.openxmlformats.org/officeDocument/2006/relationships" xmlns:p="http://schemas.openxmlformats.org/presentationml/2006/main">
+  <p:cSld>
+    <p:spTree>
+      <p:nvGrpSpPr>
+        <p:cNvPr id="1" name=""/>
+        <p:cNvGrpSpPr/>
+        <p:nvPr/>
+      </p:nvGrpSpPr>
+      <p:grpSpPr>
+        <a:xfrm>
+          <a:off x="0" y="0"/>
+          <a:ext cx="0" cy="0"/>
+          <a:chOff x="0" y="0"/>
+          <a:chExt cx="0" cy="0"/>
+        </a:xfrm>
+      </p:grpSpPr>
+      <p:sp>
+        <p:nvSpPr>
+          <p:cNvPr id="2" name="Title 1"/>
+          <p:cNvSpPr>
+            <a:spLocks noGrp="1"/>
+          </p:cNvSpPr>
+          <p:nvPr>
+            <p:ph type="title"/>
+          </p:nvPr>
+        </p:nvSpPr>
+        <p:spPr/>
+        <p:txBody>
+          <a:bodyPr/>
+          <a:lstStyle/>
+          <a:p>
+            <a:r>
+              <a:rPr lang="en-US" dirty="0" smtClean="0"/>
+              <a:t>Arithmetic</a:t>
+            </a:r>
+            <a:endParaRPr lang="en-US" dirty="0"/>
+          </a:p>
+        </p:txBody>
+      </p:sp>
+      <p:sp>
+        <p:nvSpPr>
+          <p:cNvPr id="3" name="Content Placeholder 2"/>
+          <p:cNvSpPr>
+            <a:spLocks noGrp="1"/>
+          </p:cNvSpPr>
+          <p:nvPr>
+            <p:ph idx="1"/>
+          </p:nvPr>
+        </p:nvSpPr>
+        <p:spPr/>
+        <p:txBody>
+          <a:bodyPr/>
+          <a:lstStyle/>
+          <a:p>
+            <a:r>
+              <a:rPr lang="en-US" dirty="0" smtClean="0"/>
+              <a:t>% Modulus</a:t>
+            </a:r>
+          </a:p>
+          <a:p>
+            <a:r>
+              <a:rPr lang="en-US" dirty="0" smtClean="0"/>
+              <a:t>++Increment</a:t>
+            </a:r>
+          </a:p>
+          <a:p>
+            <a:r>
+              <a:rPr lang="en-US" dirty="0" smtClean="0"/>
+              <a:t>--Decrement</a:t>
+            </a:r>
+            <a:endParaRPr lang="en-US" dirty="0"/>
+          </a:p>
+        </p:txBody>
+      </p:sp>
+    </p:spTree>
+  </p:cSld>
+  <p:clrMapOvr>
+    <a:masterClrMapping/>
+  </p:clrMapOvr>
+</p:sld>
+</file>
+
+<file path=ppt/slides/slide26.xml><?xml version="1.0" encoding="utf-8"?>
+<p:sld xmlns:a="http://schemas.openxmlformats.org/drawingml/2006/main" xmlns:r="http://schemas.openxmlformats.org/officeDocument/2006/relationships" xmlns:p="http://schemas.openxmlformats.org/presentationml/2006/main">
+  <p:cSld>
+    <p:spTree>
+      <p:nvGrpSpPr>
+        <p:cNvPr id="1" name=""/>
+        <p:cNvGrpSpPr/>
+        <p:nvPr/>
+      </p:nvGrpSpPr>
+      <p:grpSpPr>
+        <a:xfrm>
+          <a:off x="0" y="0"/>
+          <a:ext cx="0" cy="0"/>
+          <a:chOff x="0" y="0"/>
+          <a:chExt cx="0" cy="0"/>
+        </a:xfrm>
+      </p:grpSpPr>
+      <p:sp>
+        <p:nvSpPr>
+          <p:cNvPr id="2" name="Title 1"/>
+          <p:cNvSpPr>
+            <a:spLocks noGrp="1"/>
+          </p:cNvSpPr>
+          <p:nvPr>
+            <p:ph type="title"/>
+          </p:nvPr>
+        </p:nvSpPr>
+        <p:spPr/>
+        <p:txBody>
+          <a:bodyPr/>
+          <a:lstStyle/>
+          <a:p>
+            <a:r>
+              <a:rPr lang="en-US" dirty="0" smtClean="0"/>
+              <a:t>Type Casting</a:t>
+            </a:r>
+            <a:endParaRPr lang="en-US" dirty="0"/>
+          </a:p>
+        </p:txBody>
+      </p:sp>
+      <p:sp>
+        <p:nvSpPr>
+          <p:cNvPr id="3" name="Content Placeholder 2"/>
+          <p:cNvSpPr>
+            <a:spLocks noGrp="1"/>
+          </p:cNvSpPr>
+          <p:nvPr>
+            <p:ph idx="1"/>
+          </p:nvPr>
+        </p:nvSpPr>
+        <p:spPr/>
+        <p:txBody>
+          <a:bodyPr>
+            <a:normAutofit fontScale="85000" lnSpcReduction="10000"/>
+          </a:bodyPr>
+          <a:lstStyle/>
+          <a:p>
+            <a:r>
+              <a:rPr lang="en-US" dirty="0" smtClean="0"/>
+              <a:t>Type casting is when you assign a value of one primitive data type to another type</a:t>
+            </a:r>
+          </a:p>
+          <a:p>
+            <a:endParaRPr lang="en-US" dirty="0" smtClean="0"/>
+          </a:p>
+          <a:p>
+            <a:pPr>
+              <a:buNone/>
+            </a:pPr>
+            <a:r>
+              <a:rPr lang="en-US" b="1" dirty="0" smtClean="0"/>
+              <a:t>Widening Casting</a:t>
+            </a:r>
+            <a:r>
+              <a:rPr lang="en-US" dirty="0" smtClean="0"/>
+              <a:t> (automatically) - converting a smaller type to a larger type size</a:t>
+            </a:r>
+            <a:br>
+              <a:rPr lang="en-US" dirty="0" smtClean="0"/>
+            </a:br>
+            <a:r>
+              <a:rPr lang="en-US" dirty="0" smtClean="0"/>
+              <a:t> byte -&gt; short -&gt; char -&gt; </a:t>
+            </a:r>
+            <a:r>
+              <a:rPr lang="en-US" dirty="0" err="1" smtClean="0"/>
+              <a:t>int</a:t>
+            </a:r>
+            <a:r>
+              <a:rPr lang="en-US" dirty="0" smtClean="0"/>
+              <a:t> -&gt; long -&gt; float -&gt; double </a:t>
+            </a:r>
+            <a:r>
+              <a:rPr lang="en-US" dirty="0" smtClean="0"/>
+              <a:t/>
+            </a:r>
+            <a:br>
+              <a:rPr lang="en-US" dirty="0" smtClean="0"/>
+            </a:br>
+            <a:r>
+              <a:rPr lang="en-US" dirty="0" smtClean="0"/>
+              <a:t/>
+            </a:r>
+            <a:br>
+              <a:rPr lang="en-US" dirty="0" smtClean="0"/>
+            </a:br>
+            <a:endParaRPr lang="en-US" dirty="0" smtClean="0"/>
+          </a:p>
+          <a:p>
+            <a:pPr>
+              <a:buNone/>
+            </a:pPr>
+            <a:r>
+              <a:rPr lang="en-US" b="1" dirty="0" smtClean="0"/>
+              <a:t>Narrowing Casting</a:t>
+            </a:r>
+            <a:r>
+              <a:rPr lang="en-US" dirty="0" smtClean="0"/>
+              <a:t> (manually) - converting a larger type to a smaller size type</a:t>
+            </a:r>
+            <a:br>
+              <a:rPr lang="en-US" dirty="0" smtClean="0"/>
+            </a:br>
+            <a:r>
+              <a:rPr lang="en-US" dirty="0" smtClean="0"/>
+              <a:t> double -&gt; float -&gt; long -&gt; </a:t>
+            </a:r>
+            <a:r>
+              <a:rPr lang="en-US" dirty="0" err="1" smtClean="0"/>
+              <a:t>int</a:t>
+            </a:r>
+            <a:r>
+              <a:rPr lang="en-US" dirty="0" smtClean="0"/>
+              <a:t> -&gt; char -&gt; short -&gt; byte</a:t>
+            </a:r>
+            <a:endParaRPr lang="en-US" dirty="0" smtClean="0"/>
+          </a:p>
+          <a:p>
+            <a:endParaRPr lang="en-US" dirty="0"/>
+          </a:p>
+        </p:txBody>
+      </p:sp>
+    </p:spTree>
+  </p:cSld>
+  <p:clrMapOvr>
+    <a:masterClrMapping/>
+  </p:clrMapOvr>
+</p:sld>
+</file>
+
+<file path=ppt/slides/slide27.xml><?xml version="1.0" encoding="utf-8"?>
+<p:sld xmlns:a="http://schemas.openxmlformats.org/drawingml/2006/main" xmlns:r="http://schemas.openxmlformats.org/officeDocument/2006/relationships" xmlns:p="http://schemas.openxmlformats.org/presentationml/2006/main">
+  <p:cSld>
+    <p:spTree>
+      <p:nvGrpSpPr>
+        <p:cNvPr id="1" name=""/>
+        <p:cNvGrpSpPr/>
+        <p:nvPr/>
+      </p:nvGrpSpPr>
+      <p:grpSpPr>
+        <a:xfrm>
+          <a:off x="0" y="0"/>
+          <a:ext cx="0" cy="0"/>
+          <a:chOff x="0" y="0"/>
+          <a:chExt cx="0" cy="0"/>
+        </a:xfrm>
+      </p:grpSpPr>
+      <p:sp>
+        <p:nvSpPr>
+          <p:cNvPr id="2" name="Title 1"/>
+          <p:cNvSpPr>
+            <a:spLocks noGrp="1"/>
+          </p:cNvSpPr>
+          <p:nvPr>
+            <p:ph type="title"/>
+          </p:nvPr>
+        </p:nvSpPr>
+        <p:spPr/>
+        <p:txBody>
+          <a:bodyPr/>
+          <a:lstStyle/>
+          <a:p>
+            <a:r>
+              <a:rPr lang="en-US" dirty="0" smtClean="0"/>
+              <a:t>Wide Casting</a:t>
+            </a:r>
+            <a:endParaRPr lang="en-US" dirty="0"/>
+          </a:p>
+        </p:txBody>
+      </p:sp>
+      <p:sp>
+        <p:nvSpPr>
+          <p:cNvPr id="3" name="Content Placeholder 2"/>
+          <p:cNvSpPr>
+            <a:spLocks noGrp="1"/>
+          </p:cNvSpPr>
+          <p:nvPr>
+            <p:ph idx="1"/>
+          </p:nvPr>
+        </p:nvSpPr>
+        <p:spPr/>
+        <p:txBody>
+          <a:bodyPr/>
+          <a:lstStyle/>
+          <a:p>
+            <a:r>
+              <a:rPr lang="en-US" dirty="0" err="1" smtClean="0"/>
+              <a:t>int</a:t>
+            </a:r>
+            <a:r>
+              <a:rPr lang="en-US" dirty="0" smtClean="0"/>
+              <a:t> </a:t>
+            </a:r>
+            <a:r>
+              <a:rPr lang="en-US" dirty="0" err="1" smtClean="0"/>
+              <a:t>myInt</a:t>
+            </a:r>
+            <a:r>
+              <a:rPr lang="en-US" dirty="0" smtClean="0"/>
+              <a:t> = </a:t>
+            </a:r>
+            <a:r>
+              <a:rPr lang="en-US" dirty="0" smtClean="0"/>
+              <a:t>10; </a:t>
+            </a:r>
+          </a:p>
+          <a:p>
+            <a:r>
+              <a:rPr lang="en-US" dirty="0" smtClean="0"/>
+              <a:t>double </a:t>
+            </a:r>
+            <a:r>
+              <a:rPr lang="en-US" dirty="0" err="1" smtClean="0"/>
+              <a:t>myDoubled</a:t>
+            </a:r>
+            <a:r>
+              <a:rPr lang="en-US" dirty="0" smtClean="0"/>
+              <a:t> </a:t>
+            </a:r>
+            <a:r>
+              <a:rPr lang="en-US" dirty="0" smtClean="0"/>
+              <a:t>= </a:t>
+            </a:r>
+            <a:r>
+              <a:rPr lang="en-US" dirty="0" err="1" smtClean="0"/>
+              <a:t>myInt</a:t>
+            </a:r>
+            <a:r>
+              <a:rPr lang="en-US" dirty="0" smtClean="0"/>
+              <a:t>; // Automatic casting: </a:t>
+            </a:r>
+            <a:endParaRPr lang="en-US" dirty="0" smtClean="0"/>
+          </a:p>
+          <a:p>
+            <a:r>
+              <a:rPr lang="en-US" dirty="0" err="1" smtClean="0"/>
+              <a:t>System.out.println</a:t>
+            </a:r>
+            <a:r>
+              <a:rPr lang="en-US" dirty="0" smtClean="0"/>
+              <a:t>(</a:t>
+            </a:r>
+            <a:r>
+              <a:rPr lang="en-US" dirty="0" err="1" smtClean="0"/>
+              <a:t>myInt</a:t>
+            </a:r>
+            <a:r>
+              <a:rPr lang="en-US" dirty="0" smtClean="0"/>
+              <a:t>); </a:t>
+            </a:r>
+            <a:r>
+              <a:rPr lang="en-US" dirty="0" err="1" smtClean="0"/>
+              <a:t>System.out.println</a:t>
+            </a:r>
+            <a:r>
+              <a:rPr lang="en-US" dirty="0" smtClean="0"/>
+              <a:t>(</a:t>
+            </a:r>
+            <a:r>
+              <a:rPr lang="en-US" dirty="0" err="1" smtClean="0"/>
+              <a:t>myDouble</a:t>
+            </a:r>
+            <a:r>
+              <a:rPr lang="en-US" dirty="0" smtClean="0"/>
+              <a:t>);</a:t>
+            </a:r>
+            <a:endParaRPr lang="en-US" dirty="0"/>
+          </a:p>
+        </p:txBody>
+      </p:sp>
+    </p:spTree>
+  </p:cSld>
+  <p:clrMapOvr>
+    <a:masterClrMapping/>
+  </p:clrMapOvr>
+</p:sld>
+</file>
+
+<file path=ppt/slides/slide28.xml><?xml version="1.0" encoding="utf-8"?>
+<p:sld xmlns:a="http://schemas.openxmlformats.org/drawingml/2006/main" xmlns:r="http://schemas.openxmlformats.org/officeDocument/2006/relationships" xmlns:p="http://schemas.openxmlformats.org/presentationml/2006/main">
+  <p:cSld>
+    <p:spTree>
+      <p:nvGrpSpPr>
+        <p:cNvPr id="1" name=""/>
+        <p:cNvGrpSpPr/>
+        <p:nvPr/>
+      </p:nvGrpSpPr>
+      <p:grpSpPr>
+        <a:xfrm>
+          <a:off x="0" y="0"/>
+          <a:ext cx="0" cy="0"/>
+          <a:chOff x="0" y="0"/>
+          <a:chExt cx="0" cy="0"/>
+        </a:xfrm>
+      </p:grpSpPr>
+      <p:sp>
+        <p:nvSpPr>
+          <p:cNvPr id="2" name="Title 1"/>
+          <p:cNvSpPr>
+            <a:spLocks noGrp="1"/>
+          </p:cNvSpPr>
+          <p:nvPr>
+            <p:ph type="title"/>
+          </p:nvPr>
+        </p:nvSpPr>
+        <p:spPr/>
+        <p:txBody>
+          <a:bodyPr/>
+          <a:lstStyle/>
+          <a:p>
+            <a:r>
+              <a:rPr lang="en-US" dirty="0" smtClean="0"/>
+              <a:t>Narrow Casting</a:t>
+            </a:r>
+            <a:endParaRPr lang="en-US" dirty="0"/>
+          </a:p>
+        </p:txBody>
+      </p:sp>
+      <p:sp>
+        <p:nvSpPr>
+          <p:cNvPr id="3" name="Content Placeholder 2"/>
+          <p:cNvSpPr>
+            <a:spLocks noGrp="1"/>
+          </p:cNvSpPr>
+          <p:nvPr>
+            <p:ph idx="1"/>
+          </p:nvPr>
+        </p:nvSpPr>
+        <p:spPr/>
+        <p:txBody>
+          <a:bodyPr/>
+          <a:lstStyle/>
+          <a:p>
+            <a:r>
+              <a:rPr lang="en-US" dirty="0" smtClean="0"/>
+              <a:t>double </a:t>
+            </a:r>
+            <a:r>
+              <a:rPr lang="en-US" dirty="0" err="1" smtClean="0"/>
+              <a:t>myDouble</a:t>
+            </a:r>
+            <a:r>
+              <a:rPr lang="en-US" dirty="0" smtClean="0"/>
+              <a:t> = 9.78d; </a:t>
+            </a:r>
+            <a:endParaRPr lang="en-US" dirty="0" smtClean="0"/>
+          </a:p>
+          <a:p>
+            <a:r>
+              <a:rPr lang="en-US" dirty="0" err="1" smtClean="0"/>
+              <a:t>int</a:t>
+            </a:r>
+            <a:r>
+              <a:rPr lang="en-US" dirty="0" smtClean="0"/>
+              <a:t> </a:t>
+            </a:r>
+            <a:r>
+              <a:rPr lang="en-US" dirty="0" err="1" smtClean="0"/>
+              <a:t>myInt</a:t>
+            </a:r>
+            <a:r>
+              <a:rPr lang="en-US" dirty="0" smtClean="0"/>
+              <a:t> = (</a:t>
+            </a:r>
+            <a:r>
+              <a:rPr lang="en-US" dirty="0" err="1" smtClean="0"/>
+              <a:t>int</a:t>
+            </a:r>
+            <a:r>
+              <a:rPr lang="en-US" dirty="0" smtClean="0"/>
+              <a:t>) </a:t>
+            </a:r>
+            <a:r>
+              <a:rPr lang="en-US" dirty="0" err="1" smtClean="0"/>
+              <a:t>myDouble</a:t>
+            </a:r>
+            <a:r>
+              <a:rPr lang="en-US" dirty="0" smtClean="0"/>
+              <a:t>; // Manual casting: double to </a:t>
+            </a:r>
+            <a:r>
+              <a:rPr lang="en-US" dirty="0" err="1" smtClean="0"/>
+              <a:t>int</a:t>
+            </a:r>
+            <a:r>
+              <a:rPr lang="en-US" dirty="0" smtClean="0"/>
+              <a:t> </a:t>
+            </a:r>
+            <a:endParaRPr lang="en-US" dirty="0" smtClean="0"/>
+          </a:p>
+          <a:p>
+            <a:r>
+              <a:rPr lang="en-US" dirty="0" err="1" smtClean="0"/>
+              <a:t>System.out.println</a:t>
+            </a:r>
+            <a:r>
+              <a:rPr lang="en-US" dirty="0" smtClean="0"/>
+              <a:t>(</a:t>
+            </a:r>
+            <a:r>
+              <a:rPr lang="en-US" dirty="0" err="1" smtClean="0"/>
+              <a:t>myDouble</a:t>
+            </a:r>
+            <a:r>
+              <a:rPr lang="en-US" dirty="0" smtClean="0"/>
+              <a:t>); // Outputs 9.78 </a:t>
+            </a:r>
+            <a:endParaRPr lang="en-US" dirty="0" smtClean="0"/>
+          </a:p>
+          <a:p>
+            <a:r>
+              <a:rPr lang="en-US" dirty="0" err="1" smtClean="0"/>
+              <a:t>System.out.println</a:t>
+            </a:r>
+            <a:r>
+              <a:rPr lang="en-US" dirty="0" smtClean="0"/>
+              <a:t>(</a:t>
+            </a:r>
+            <a:r>
+              <a:rPr lang="en-US" dirty="0" err="1" smtClean="0"/>
+              <a:t>myInt</a:t>
+            </a:r>
+            <a:r>
+              <a:rPr lang="en-US" dirty="0" smtClean="0"/>
+              <a:t>);</a:t>
+            </a:r>
+            <a:endParaRPr lang="en-US" dirty="0"/>
+          </a:p>
+        </p:txBody>
+      </p:sp>
+    </p:spTree>
+  </p:cSld>
+  <p:clrMapOvr>
+    <a:masterClrMapping/>
+  </p:clrMapOvr>
+</p:sld>
+</file>
+
+<file path=ppt/slides/slide29.xml><?xml version="1.0" encoding="utf-8"?>
+<p:sld xmlns:a="http://schemas.openxmlformats.org/drawingml/2006/main" xmlns:r="http://schemas.openxmlformats.org/officeDocument/2006/relationships" xmlns:p="http://schemas.openxmlformats.org/presentationml/2006/main">
+  <p:cSld>
+    <p:spTree>
+      <p:nvGrpSpPr>
+        <p:cNvPr id="1" name=""/>
+        <p:cNvGrpSpPr/>
+        <p:nvPr/>
+      </p:nvGrpSpPr>
+      <p:grpSpPr>
+        <a:xfrm>
+          <a:off x="0" y="0"/>
+          <a:ext cx="0" cy="0"/>
+          <a:chOff x="0" y="0"/>
+          <a:chExt cx="0" cy="0"/>
+        </a:xfrm>
+      </p:grpSpPr>
+      <p:sp>
+        <p:nvSpPr>
+          <p:cNvPr id="2" name="Title 1"/>
+          <p:cNvSpPr>
+            <a:spLocks noGrp="1"/>
+          </p:cNvSpPr>
+          <p:nvPr>
+            <p:ph type="title"/>
+          </p:nvPr>
+        </p:nvSpPr>
+        <p:spPr/>
+        <p:txBody>
+          <a:bodyPr/>
+          <a:lstStyle/>
+          <a:p>
+            <a:r>
+              <a:rPr lang="en-US" dirty="0" smtClean="0"/>
+              <a:t>Control structures</a:t>
+            </a:r>
+            <a:endParaRPr lang="en-US" dirty="0"/>
+          </a:p>
+        </p:txBody>
+      </p:sp>
+      <p:sp>
+        <p:nvSpPr>
+          <p:cNvPr id="3" name="Content Placeholder 2"/>
+          <p:cNvSpPr>
+            <a:spLocks noGrp="1"/>
+          </p:cNvSpPr>
+          <p:nvPr>
+            <p:ph idx="1"/>
+          </p:nvPr>
+        </p:nvSpPr>
+        <p:spPr/>
+        <p:txBody>
+          <a:bodyPr>
+            <a:normAutofit lnSpcReduction="10000"/>
+          </a:bodyPr>
+          <a:lstStyle/>
+          <a:p>
+            <a:r>
+              <a:rPr lang="en-US" dirty="0" smtClean="0"/>
+              <a:t>The </a:t>
             </a:r>
             <a:r>
               <a:rPr lang="en-US" i="1" dirty="0" smtClean="0"/>
-              <a:t>continue statement</a:t>
-            </a:r>
-            <a:r>
-              <a:rPr lang="en-US" dirty="0" smtClean="0"/>
-              <a:t> is used to continue the loop. It continues the current flow of the program and skips the remaining code at the specified condition</a:t>
-            </a:r>
-            <a:endParaRPr lang="en-US" dirty="0"/>
+              <a:t>while loop</a:t>
+            </a:r>
+            <a:r>
+              <a:rPr lang="en-US" dirty="0" smtClean="0"/>
+              <a:t> is used to iterate a part of the </a:t>
+            </a:r>
+            <a:r>
+              <a:rPr lang="en-US" dirty="0" err="1" smtClean="0"/>
+              <a:t>programe</a:t>
+            </a:r>
+            <a:r>
+              <a:rPr lang="en-US" dirty="0" smtClean="0"/>
+              <a:t> repeatedly until the specified Boolean condition is true. </a:t>
+            </a:r>
+          </a:p>
+          <a:p>
+            <a:r>
+              <a:rPr lang="en-US" dirty="0" smtClean="0"/>
+              <a:t>When the Boolean condition becomes false, the loop automatically stops.</a:t>
+            </a:r>
+          </a:p>
+          <a:p>
+            <a:r>
+              <a:rPr lang="en-US" dirty="0" smtClean="0"/>
+              <a:t>The while loop is considered as a repeating if statement. </a:t>
+            </a:r>
+          </a:p>
+          <a:p>
+            <a:r>
+              <a:rPr lang="en-US" dirty="0" smtClean="0"/>
+              <a:t>If the number of iteration is not fixed, it is recommended to use the while loop</a:t>
+            </a:r>
           </a:p>
         </p:txBody>
       </p:sp>
@@ -7064,6 +7912,354 @@
             <a:r>
               <a:rPr lang="en-US" dirty="0" smtClean="0"/>
               <a:t>*/</a:t>
+            </a:r>
+            <a:endParaRPr lang="en-US" dirty="0"/>
+          </a:p>
+        </p:txBody>
+      </p:sp>
+    </p:spTree>
+  </p:cSld>
+  <p:clrMapOvr>
+    <a:masterClrMapping/>
+  </p:clrMapOvr>
+</p:sld>
+</file>
+
+<file path=ppt/slides/slide30.xml><?xml version="1.0" encoding="utf-8"?>
+<p:sld xmlns:a="http://schemas.openxmlformats.org/drawingml/2006/main" xmlns:r="http://schemas.openxmlformats.org/officeDocument/2006/relationships" xmlns:p="http://schemas.openxmlformats.org/presentationml/2006/main">
+  <p:cSld>
+    <p:spTree>
+      <p:nvGrpSpPr>
+        <p:cNvPr id="1" name=""/>
+        <p:cNvGrpSpPr/>
+        <p:nvPr/>
+      </p:nvGrpSpPr>
+      <p:grpSpPr>
+        <a:xfrm>
+          <a:off x="0" y="0"/>
+          <a:ext cx="0" cy="0"/>
+          <a:chOff x="0" y="0"/>
+          <a:chExt cx="0" cy="0"/>
+        </a:xfrm>
+      </p:grpSpPr>
+      <p:sp>
+        <p:nvSpPr>
+          <p:cNvPr id="2" name="Title 1"/>
+          <p:cNvSpPr>
+            <a:spLocks noGrp="1"/>
+          </p:cNvSpPr>
+          <p:nvPr>
+            <p:ph type="title"/>
+          </p:nvPr>
+        </p:nvSpPr>
+        <p:spPr/>
+        <p:txBody>
+          <a:bodyPr/>
+          <a:lstStyle/>
+          <a:p>
+            <a:r>
+              <a:rPr lang="en-US" dirty="0" smtClean="0"/>
+              <a:t>Do -while</a:t>
+            </a:r>
+            <a:endParaRPr lang="en-US" dirty="0"/>
+          </a:p>
+        </p:txBody>
+      </p:sp>
+      <p:sp>
+        <p:nvSpPr>
+          <p:cNvPr id="3" name="Content Placeholder 2"/>
+          <p:cNvSpPr>
+            <a:spLocks noGrp="1"/>
+          </p:cNvSpPr>
+          <p:nvPr>
+            <p:ph idx="1"/>
+          </p:nvPr>
+        </p:nvSpPr>
+        <p:spPr/>
+        <p:txBody>
+          <a:bodyPr/>
+          <a:lstStyle/>
+          <a:p>
+            <a:r>
+              <a:rPr lang="en-US" dirty="0" smtClean="0"/>
+              <a:t>Java do-while loop is called an </a:t>
+            </a:r>
+            <a:r>
+              <a:rPr lang="en-US" b="1" dirty="0" smtClean="0"/>
+              <a:t>exit control loop</a:t>
+            </a:r>
+            <a:r>
+              <a:rPr lang="en-US" dirty="0" smtClean="0"/>
+              <a:t>. Therefore, unlike while loop and for loop, the do-while check the condition at the end of loop body</a:t>
+            </a:r>
+            <a:endParaRPr lang="en-US" dirty="0"/>
+          </a:p>
+        </p:txBody>
+      </p:sp>
+    </p:spTree>
+  </p:cSld>
+  <p:clrMapOvr>
+    <a:masterClrMapping/>
+  </p:clrMapOvr>
+</p:sld>
+</file>
+
+<file path=ppt/slides/slide31.xml><?xml version="1.0" encoding="utf-8"?>
+<p:sld xmlns:a="http://schemas.openxmlformats.org/drawingml/2006/main" xmlns:r="http://schemas.openxmlformats.org/officeDocument/2006/relationships" xmlns:p="http://schemas.openxmlformats.org/presentationml/2006/main">
+  <p:cSld>
+    <p:spTree>
+      <p:nvGrpSpPr>
+        <p:cNvPr id="1" name=""/>
+        <p:cNvGrpSpPr/>
+        <p:nvPr/>
+      </p:nvGrpSpPr>
+      <p:grpSpPr>
+        <a:xfrm>
+          <a:off x="0" y="0"/>
+          <a:ext cx="0" cy="0"/>
+          <a:chOff x="0" y="0"/>
+          <a:chExt cx="0" cy="0"/>
+        </a:xfrm>
+      </p:grpSpPr>
+      <p:sp>
+        <p:nvSpPr>
+          <p:cNvPr id="2" name="Title 1"/>
+          <p:cNvSpPr>
+            <a:spLocks noGrp="1"/>
+          </p:cNvSpPr>
+          <p:nvPr>
+            <p:ph type="title"/>
+          </p:nvPr>
+        </p:nvSpPr>
+        <p:spPr/>
+        <p:txBody>
+          <a:bodyPr/>
+          <a:lstStyle/>
+          <a:p>
+            <a:r>
+              <a:rPr lang="en-US" dirty="0" smtClean="0"/>
+              <a:t>Switch</a:t>
+            </a:r>
+            <a:endParaRPr lang="en-US" dirty="0"/>
+          </a:p>
+        </p:txBody>
+      </p:sp>
+      <p:sp>
+        <p:nvSpPr>
+          <p:cNvPr id="3" name="Content Placeholder 2"/>
+          <p:cNvSpPr>
+            <a:spLocks noGrp="1"/>
+          </p:cNvSpPr>
+          <p:nvPr>
+            <p:ph idx="1"/>
+          </p:nvPr>
+        </p:nvSpPr>
+        <p:spPr/>
+        <p:txBody>
+          <a:bodyPr/>
+          <a:lstStyle/>
+          <a:p>
+            <a:r>
+              <a:rPr lang="en-US" dirty="0" smtClean="0"/>
+              <a:t>The Java </a:t>
+            </a:r>
+            <a:r>
+              <a:rPr lang="en-US" i="1" dirty="0" smtClean="0"/>
+              <a:t>switch statement</a:t>
+            </a:r>
+            <a:r>
+              <a:rPr lang="en-US" dirty="0" smtClean="0"/>
+              <a:t> executes one statement from multiple conditions</a:t>
+            </a:r>
+          </a:p>
+          <a:p>
+            <a:r>
+              <a:rPr lang="en-US" dirty="0" smtClean="0"/>
+              <a:t>Each case statement can have a </a:t>
+            </a:r>
+            <a:r>
+              <a:rPr lang="en-US" i="1" dirty="0" smtClean="0"/>
+              <a:t>break statement</a:t>
+            </a:r>
+            <a:r>
+              <a:rPr lang="en-US" dirty="0" smtClean="0"/>
+              <a:t> which is optional. When control reaches to the break statement</a:t>
+            </a:r>
+          </a:p>
+          <a:p>
+            <a:r>
+              <a:rPr lang="en-US" dirty="0" smtClean="0"/>
+              <a:t>The case value can have a </a:t>
+            </a:r>
+            <a:r>
+              <a:rPr lang="en-US" i="1" dirty="0" smtClean="0"/>
+              <a:t>default label</a:t>
+            </a:r>
+            <a:r>
+              <a:rPr lang="en-US" dirty="0" smtClean="0"/>
+              <a:t> which is optional</a:t>
+            </a:r>
+            <a:endParaRPr lang="en-US" dirty="0"/>
+          </a:p>
+        </p:txBody>
+      </p:sp>
+    </p:spTree>
+  </p:cSld>
+  <p:clrMapOvr>
+    <a:masterClrMapping/>
+  </p:clrMapOvr>
+</p:sld>
+</file>
+
+<file path=ppt/slides/slide32.xml><?xml version="1.0" encoding="utf-8"?>
+<p:sld xmlns:a="http://schemas.openxmlformats.org/drawingml/2006/main" xmlns:r="http://schemas.openxmlformats.org/officeDocument/2006/relationships" xmlns:p="http://schemas.openxmlformats.org/presentationml/2006/main">
+  <p:cSld>
+    <p:spTree>
+      <p:nvGrpSpPr>
+        <p:cNvPr id="1" name=""/>
+        <p:cNvGrpSpPr/>
+        <p:nvPr/>
+      </p:nvGrpSpPr>
+      <p:grpSpPr>
+        <a:xfrm>
+          <a:off x="0" y="0"/>
+          <a:ext cx="0" cy="0"/>
+          <a:chOff x="0" y="0"/>
+          <a:chExt cx="0" cy="0"/>
+        </a:xfrm>
+      </p:grpSpPr>
+      <p:sp>
+        <p:nvSpPr>
+          <p:cNvPr id="2" name="Title 1"/>
+          <p:cNvSpPr>
+            <a:spLocks noGrp="1"/>
+          </p:cNvSpPr>
+          <p:nvPr>
+            <p:ph type="title"/>
+          </p:nvPr>
+        </p:nvSpPr>
+        <p:spPr/>
+        <p:txBody>
+          <a:bodyPr/>
+          <a:lstStyle/>
+          <a:p>
+            <a:r>
+              <a:rPr lang="en-US" dirty="0" smtClean="0"/>
+              <a:t>Break</a:t>
+            </a:r>
+            <a:endParaRPr lang="en-US" dirty="0"/>
+          </a:p>
+        </p:txBody>
+      </p:sp>
+      <p:sp>
+        <p:nvSpPr>
+          <p:cNvPr id="3" name="Content Placeholder 2"/>
+          <p:cNvSpPr>
+            <a:spLocks noGrp="1"/>
+          </p:cNvSpPr>
+          <p:nvPr>
+            <p:ph idx="1"/>
+          </p:nvPr>
+        </p:nvSpPr>
+        <p:spPr/>
+        <p:txBody>
+          <a:bodyPr/>
+          <a:lstStyle/>
+          <a:p>
+            <a:r>
+              <a:rPr lang="en-US" dirty="0" smtClean="0"/>
+              <a:t>When a break statement is encountered inside a loop, the loop is immediately terminated and the program control resumes at the next statement following the loop</a:t>
+            </a:r>
+          </a:p>
+          <a:p>
+            <a:r>
+              <a:rPr lang="en-US" dirty="0" smtClean="0"/>
+              <a:t>It breaks the current flow of the program at specified condition</a:t>
+            </a:r>
+          </a:p>
+          <a:p>
+            <a:r>
+              <a:rPr lang="en-US" dirty="0" smtClean="0"/>
+              <a:t>In case of inner loop, it breaks only inner loop</a:t>
+            </a:r>
+            <a:endParaRPr lang="en-US" dirty="0"/>
+          </a:p>
+        </p:txBody>
+      </p:sp>
+    </p:spTree>
+  </p:cSld>
+  <p:clrMapOvr>
+    <a:masterClrMapping/>
+  </p:clrMapOvr>
+</p:sld>
+</file>
+
+<file path=ppt/slides/slide33.xml><?xml version="1.0" encoding="utf-8"?>
+<p:sld xmlns:a="http://schemas.openxmlformats.org/drawingml/2006/main" xmlns:r="http://schemas.openxmlformats.org/officeDocument/2006/relationships" xmlns:p="http://schemas.openxmlformats.org/presentationml/2006/main">
+  <p:cSld>
+    <p:spTree>
+      <p:nvGrpSpPr>
+        <p:cNvPr id="1" name=""/>
+        <p:cNvGrpSpPr/>
+        <p:nvPr/>
+      </p:nvGrpSpPr>
+      <p:grpSpPr>
+        <a:xfrm>
+          <a:off x="0" y="0"/>
+          <a:ext cx="0" cy="0"/>
+          <a:chOff x="0" y="0"/>
+          <a:chExt cx="0" cy="0"/>
+        </a:xfrm>
+      </p:grpSpPr>
+      <p:sp>
+        <p:nvSpPr>
+          <p:cNvPr id="2" name="Title 1"/>
+          <p:cNvSpPr>
+            <a:spLocks noGrp="1"/>
+          </p:cNvSpPr>
+          <p:nvPr>
+            <p:ph type="title"/>
+          </p:nvPr>
+        </p:nvSpPr>
+        <p:spPr/>
+        <p:txBody>
+          <a:bodyPr/>
+          <a:lstStyle/>
+          <a:p>
+            <a:r>
+              <a:rPr lang="en-US" dirty="0" smtClean="0"/>
+              <a:t>Continue</a:t>
+            </a:r>
+            <a:endParaRPr lang="en-US" dirty="0"/>
+          </a:p>
+        </p:txBody>
+      </p:sp>
+      <p:sp>
+        <p:nvSpPr>
+          <p:cNvPr id="3" name="Content Placeholder 2"/>
+          <p:cNvSpPr>
+            <a:spLocks noGrp="1"/>
+          </p:cNvSpPr>
+          <p:nvPr>
+            <p:ph idx="1"/>
+          </p:nvPr>
+        </p:nvSpPr>
+        <p:spPr/>
+        <p:txBody>
+          <a:bodyPr/>
+          <a:lstStyle/>
+          <a:p>
+            <a:r>
+              <a:rPr lang="en-US" dirty="0" smtClean="0"/>
+              <a:t>The Java </a:t>
+            </a:r>
+            <a:r>
+              <a:rPr lang="en-US" i="1" dirty="0" smtClean="0"/>
+              <a:t>continue statement</a:t>
+            </a:r>
+            <a:r>
+              <a:rPr lang="en-US" dirty="0" smtClean="0"/>
+              <a:t> is used to continue the loop. It continues the current flow of the program and skips the remaining code at the specified condition</a:t>
             </a:r>
             <a:endParaRPr lang="en-US" dirty="0"/>
           </a:p>

--- a/Chapter_2/Fundamentals.pptx
+++ b/Chapter_2/Fundamentals.pptx
@@ -3851,7 +3851,7 @@
           </a:p>
           <a:p>
             <a:r>
-              <a:rPr lang="en-US" smtClean="0"/>
+              <a:rPr lang="en-US" dirty="0" smtClean="0"/>
               <a:t>Boolean          false</a:t>
             </a:r>
             <a:endParaRPr lang="en-US" dirty="0"/>
@@ -3952,7 +3952,21 @@
             </a:r>
             <a:r>
               <a:rPr lang="en-US" dirty="0" smtClean="0"/>
-              <a:t> It is used for a new line</a:t>
+              <a:t> It is used for a new </a:t>
+            </a:r>
+            <a:r>
+              <a:rPr lang="en-US" dirty="0" smtClean="0"/>
+              <a:t>line</a:t>
+            </a:r>
+          </a:p>
+          <a:p>
+            <a:r>
+              <a:rPr lang="en-US" dirty="0" smtClean="0"/>
+              <a:t>\t </a:t>
+            </a:r>
+            <a:r>
+              <a:rPr lang="en-US" dirty="0" smtClean="0"/>
+              <a:t>: it is used for tab</a:t>
             </a:r>
             <a:endParaRPr lang="en-US" dirty="0"/>
           </a:p>

--- a/Chapter_2/Fundamentals.pptx
+++ b/Chapter_2/Fundamentals.pptx
@@ -3267,51 +3267,31 @@
           <a:p>
             <a:r>
               <a:rPr lang="en-US" dirty="0" smtClean="0"/>
-              <a:t>A floating-point literal is of type float if it ends with the letter F or f; otherwise its type is double and it can optionally end with the letter D or d</a:t>
-            </a:r>
-            <a:r>
-              <a:rPr lang="en-US" dirty="0" smtClean="0"/>
-              <a:t>.</a:t>
-            </a:r>
-          </a:p>
-          <a:p>
-            <a:r>
-              <a:rPr lang="en-US" dirty="0" smtClean="0"/>
-              <a:t>The floating point types (float and double) can also be expressed using E or e (for scientific notation), F or f (32-bit float literal) and D or d (64-bit double literal; this is the default and by convention is omitted</a:t>
-            </a:r>
-            <a:r>
-              <a:rPr lang="en-US" dirty="0" smtClean="0"/>
-              <a:t>).</a:t>
-            </a:r>
-          </a:p>
-          <a:p>
-            <a:r>
-              <a:rPr lang="en-US" dirty="0" smtClean="0"/>
-              <a:t>double d1 = 123.4</a:t>
-            </a:r>
-            <a:r>
-              <a:rPr lang="en-US" dirty="0" smtClean="0"/>
-              <a:t>;</a:t>
-            </a:r>
-          </a:p>
-          <a:p>
-            <a:r>
-              <a:rPr lang="en-US" dirty="0" smtClean="0"/>
-              <a:t>double d2 = 1.234e2</a:t>
-            </a:r>
-            <a:r>
-              <a:rPr lang="en-US" dirty="0" smtClean="0"/>
-              <a:t>;</a:t>
-            </a:r>
-          </a:p>
-          <a:p>
-            <a:r>
-              <a:rPr lang="en-US" dirty="0" smtClean="0"/>
-              <a:t>float f1 = 123.4f</a:t>
-            </a:r>
-            <a:r>
-              <a:rPr lang="en-US" dirty="0" smtClean="0"/>
-              <a:t>;</a:t>
+              <a:t>A floating-point literal is of type float if it ends with the letter F or f; otherwise its type is double and it can optionally end with the letter D or d.</a:t>
+            </a:r>
+          </a:p>
+          <a:p>
+            <a:r>
+              <a:rPr lang="en-US" dirty="0" smtClean="0"/>
+              <a:t>The floating point types (float and double) can also be expressed using E or e (for scientific notation), F or f (32-bit float literal) and D or d (64-bit double literal; this is the default and by convention is omitted).</a:t>
+            </a:r>
+          </a:p>
+          <a:p>
+            <a:r>
+              <a:rPr lang="en-US" dirty="0" smtClean="0"/>
+              <a:t>double d1 = 123.4;</a:t>
+            </a:r>
+          </a:p>
+          <a:p>
+            <a:r>
+              <a:rPr lang="en-US" dirty="0" smtClean="0"/>
+              <a:t>double d2 = 1.234e2;</a:t>
+            </a:r>
+          </a:p>
+          <a:p>
+            <a:r>
+              <a:rPr lang="en-US" dirty="0" smtClean="0"/>
+              <a:t>float f1 = 123.4f;</a:t>
             </a:r>
           </a:p>
           <a:p>
@@ -3326,11 +3306,7 @@
             </a:pPr>
             <a:r>
               <a:rPr lang="en-US" dirty="0" smtClean="0"/>
-              <a:t>-&gt;Simple </a:t>
-            </a:r>
-            <a:r>
-              <a:rPr lang="en-US" dirty="0" smtClean="0"/>
-              <a:t>decimal forms</a:t>
+              <a:t>-&gt;Simple decimal forms</a:t>
             </a:r>
           </a:p>
           <a:p>
@@ -3339,11 +3315,7 @@
             </a:pPr>
             <a:r>
               <a:rPr lang="en-US" dirty="0" smtClean="0"/>
-              <a:t>-&gt;Scaled </a:t>
-            </a:r>
-            <a:r>
-              <a:rPr lang="en-US" dirty="0" smtClean="0"/>
-              <a:t>decimal forms</a:t>
+              <a:t>-&gt;Scaled decimal forms</a:t>
             </a:r>
           </a:p>
           <a:p>
@@ -3352,11 +3324,7 @@
             </a:pPr>
             <a:r>
               <a:rPr lang="en-US" dirty="0" smtClean="0"/>
-              <a:t>-&gt;Hexadecimal </a:t>
-            </a:r>
-            <a:r>
-              <a:rPr lang="en-US" dirty="0" smtClean="0"/>
-              <a:t>forms</a:t>
+              <a:t>-&gt;Hexadecimal forms</a:t>
             </a:r>
           </a:p>
           <a:p>
@@ -3439,64 +3407,35 @@
               <a:rPr lang="en-US" dirty="0" smtClean="0"/>
               <a:t>0.0 // this denotes zero </a:t>
             </a:r>
-            <a:endParaRPr lang="en-US" dirty="0" smtClean="0"/>
-          </a:p>
-          <a:p>
-            <a:r>
-              <a:rPr lang="en-US" dirty="0" smtClean="0"/>
-              <a:t>.</a:t>
-            </a:r>
-            <a:r>
-              <a:rPr lang="en-US" dirty="0" smtClean="0"/>
-              <a:t>0 // this also denotes zero </a:t>
-            </a:r>
-            <a:endParaRPr lang="en-US" dirty="0" smtClean="0"/>
-          </a:p>
-          <a:p>
-            <a:r>
-              <a:rPr lang="en-US" dirty="0" smtClean="0"/>
-              <a:t>0</a:t>
-            </a:r>
-            <a:r>
-              <a:rPr lang="en-US" dirty="0" smtClean="0"/>
-              <a:t>. // this also denotes zero </a:t>
-            </a:r>
-            <a:endParaRPr lang="en-US" dirty="0" smtClean="0"/>
-          </a:p>
-          <a:p>
-            <a:r>
-              <a:rPr lang="en-US" dirty="0" smtClean="0"/>
-              <a:t>3.14159 </a:t>
-            </a:r>
-            <a:r>
-              <a:rPr lang="en-US" dirty="0" smtClean="0"/>
-              <a:t>// this denotes Pi, accurate to (approximately!) 5 decimal places. </a:t>
-            </a:r>
-            <a:endParaRPr lang="en-US" dirty="0" smtClean="0"/>
-          </a:p>
-          <a:p>
-            <a:r>
-              <a:rPr lang="en-US" dirty="0" smtClean="0"/>
-              <a:t>1.0F </a:t>
-            </a:r>
-            <a:r>
-              <a:rPr lang="en-US" dirty="0" smtClean="0"/>
-              <a:t>// a `float` literal </a:t>
-            </a:r>
-            <a:endParaRPr lang="en-US" dirty="0" smtClean="0"/>
-          </a:p>
-          <a:p>
-            <a:r>
-              <a:rPr lang="en-US" dirty="0" smtClean="0"/>
-              <a:t>1.0D </a:t>
-            </a:r>
-            <a:r>
-              <a:rPr lang="en-US" dirty="0" smtClean="0"/>
-              <a:t>// a `double` literal. (`double` is the default if no suffix is given</a:t>
-            </a:r>
-            <a:r>
-              <a:rPr lang="en-US" dirty="0" smtClean="0"/>
-              <a:t>)</a:t>
+          </a:p>
+          <a:p>
+            <a:r>
+              <a:rPr lang="en-US" dirty="0" smtClean="0"/>
+              <a:t>.0 // this also denotes zero </a:t>
+            </a:r>
+          </a:p>
+          <a:p>
+            <a:r>
+              <a:rPr lang="en-US" dirty="0" smtClean="0"/>
+              <a:t>0. // this also denotes zero </a:t>
+            </a:r>
+          </a:p>
+          <a:p>
+            <a:r>
+              <a:rPr lang="en-US" dirty="0" smtClean="0"/>
+              <a:t>3.14159 // this denotes Pi, accurate to (approximately!) 5 decimal places. </a:t>
+            </a:r>
+          </a:p>
+          <a:p>
+            <a:r>
+              <a:rPr lang="en-US" dirty="0" smtClean="0"/>
+              <a:t>1.0F // a `float` literal </a:t>
+            </a:r>
+          </a:p>
+          <a:p>
+            <a:r>
+              <a:rPr lang="en-US" dirty="0" smtClean="0"/>
+              <a:t>1.0D // a `double` literal. (`double` is the default if no suffix is given)</a:t>
             </a:r>
           </a:p>
           <a:p>
@@ -3575,27 +3514,17 @@
               <a:rPr lang="en-US" dirty="0" smtClean="0"/>
               <a:t>1.0E1 // this means 1.0 x 10^1 ... or 10.0 (double) </a:t>
             </a:r>
-            <a:endParaRPr lang="en-US" dirty="0" smtClean="0"/>
-          </a:p>
-          <a:p>
-            <a:r>
-              <a:rPr lang="en-US" dirty="0" smtClean="0"/>
-              <a:t>1E-1D </a:t>
-            </a:r>
-            <a:r>
-              <a:rPr lang="en-US" dirty="0" smtClean="0"/>
-              <a:t>// this means 1.0 x 10^(-1) ... or 0.1 (double) </a:t>
-            </a:r>
-            <a:endParaRPr lang="en-US" dirty="0" smtClean="0"/>
-          </a:p>
-          <a:p>
-            <a:r>
-              <a:rPr lang="en-US" dirty="0" smtClean="0"/>
-              <a:t>1.0e10f </a:t>
-            </a:r>
-            <a:r>
-              <a:rPr lang="en-US" dirty="0" smtClean="0"/>
-              <a:t>// this means 1.0 x 10^(10) ... or 10000000000.0 (float)</a:t>
+          </a:p>
+          <a:p>
+            <a:r>
+              <a:rPr lang="en-US" dirty="0" smtClean="0"/>
+              <a:t>1E-1D // this means 1.0 x 10^(-1) ... or 0.1 (double) </a:t>
+            </a:r>
+          </a:p>
+          <a:p>
+            <a:r>
+              <a:rPr lang="en-US" dirty="0" smtClean="0"/>
+              <a:t>1.0e10f // this means 1.0 x 10^(10) ... or 10000000000.0 (float)</a:t>
             </a:r>
             <a:endParaRPr lang="en-US" dirty="0"/>
           </a:p>
@@ -3647,11 +3576,7 @@
             </a:r>
             <a:r>
               <a:rPr lang="en-US" dirty="0" smtClean="0"/>
-              <a:t> Decimal Form-</a:t>
-            </a:r>
-            <a:r>
-              <a:rPr lang="en-US" dirty="0" smtClean="0"/>
-              <a:t> Java 6</a:t>
+              <a:t> Decimal Form- Java 6</a:t>
             </a:r>
             <a:endParaRPr lang="en-US" dirty="0"/>
           </a:p>
@@ -3676,16 +3601,11 @@
               <a:rPr lang="en-US" dirty="0" smtClean="0"/>
               <a:t>0x0.0p0f // this is zero expressed in hexadecimal form (`float`) </a:t>
             </a:r>
-            <a:endParaRPr lang="en-US" dirty="0" smtClean="0"/>
-          </a:p>
-          <a:p>
-            <a:r>
-              <a:rPr lang="en-US" dirty="0" smtClean="0"/>
-              <a:t>0xff.0p19 </a:t>
-            </a:r>
-            <a:r>
-              <a:rPr lang="en-US" dirty="0" smtClean="0"/>
-              <a:t>// this is 255.0 x 2^19 (`double`)</a:t>
+          </a:p>
+          <a:p>
+            <a:r>
+              <a:rPr lang="en-US" dirty="0" smtClean="0"/>
+              <a:t>0xff.0p19 // this is 255.0 x 2^19 (`double`)</a:t>
             </a:r>
             <a:endParaRPr lang="en-US" dirty="0"/>
           </a:p>
@@ -3766,11 +3686,7 @@
             </a:r>
             <a:r>
               <a:rPr lang="en-US" b="1" dirty="0" smtClean="0"/>
-              <a:t> Value (for </a:t>
-            </a:r>
-            <a:r>
-              <a:rPr lang="en-US" b="1" dirty="0" smtClean="0"/>
-              <a:t>fields)</a:t>
+              <a:t> Value (for fields)</a:t>
             </a:r>
           </a:p>
           <a:p>
@@ -3788,11 +3704,7 @@
           <a:p>
             <a:r>
               <a:rPr lang="en-US" dirty="0" err="1" smtClean="0"/>
-              <a:t>i</a:t>
-            </a:r>
-            <a:r>
-              <a:rPr lang="en-US" dirty="0" err="1" smtClean="0"/>
-              <a:t>nt</a:t>
+              <a:t>int</a:t>
             </a:r>
             <a:r>
               <a:rPr lang="en-US" dirty="0" smtClean="0"/>
@@ -3802,21 +3714,13 @@
           <a:p>
             <a:r>
               <a:rPr lang="en-US" dirty="0" smtClean="0"/>
-              <a:t>l</a:t>
-            </a:r>
-            <a:r>
-              <a:rPr lang="en-US" dirty="0" smtClean="0"/>
-              <a:t>ong            0L</a:t>
-            </a:r>
-          </a:p>
-          <a:p>
-            <a:r>
-              <a:rPr lang="en-US" dirty="0" smtClean="0"/>
-              <a:t>f</a:t>
-            </a:r>
-            <a:r>
-              <a:rPr lang="en-US" dirty="0" smtClean="0"/>
-              <a:t>loat           0.0f</a:t>
+              <a:t>long            0L</a:t>
+            </a:r>
+          </a:p>
+          <a:p>
+            <a:r>
+              <a:rPr lang="en-US" dirty="0" smtClean="0"/>
+              <a:t>float           0.0f</a:t>
             </a:r>
           </a:p>
           <a:p>
@@ -3828,25 +3732,13 @@
           <a:p>
             <a:r>
               <a:rPr lang="en-US" dirty="0" smtClean="0"/>
-              <a:t>c</a:t>
-            </a:r>
-            <a:r>
-              <a:rPr lang="en-US" dirty="0" smtClean="0"/>
-              <a:t>har          '\u0000‘</a:t>
-            </a:r>
-          </a:p>
-          <a:p>
-            <a:r>
-              <a:rPr lang="en-US" dirty="0" smtClean="0"/>
-              <a:t>String </a:t>
-            </a:r>
-            <a:r>
-              <a:rPr lang="en-US" dirty="0" smtClean="0"/>
-              <a:t>(or any object)  </a:t>
-            </a:r>
-            <a:r>
-              <a:rPr lang="en-US" dirty="0" smtClean="0"/>
-              <a:t>null</a:t>
+              <a:t>char          '\u0000‘</a:t>
+            </a:r>
+          </a:p>
+          <a:p>
+            <a:r>
+              <a:rPr lang="en-US" dirty="0" smtClean="0"/>
+              <a:t>String (or any object)  null</a:t>
             </a:r>
           </a:p>
           <a:p>
@@ -3952,21 +3844,13 @@
             </a:r>
             <a:r>
               <a:rPr lang="en-US" dirty="0" smtClean="0"/>
-              <a:t> It is used for a new </a:t>
-            </a:r>
-            <a:r>
-              <a:rPr lang="en-US" dirty="0" smtClean="0"/>
-              <a:t>line</a:t>
-            </a:r>
-          </a:p>
-          <a:p>
-            <a:r>
-              <a:rPr lang="en-US" dirty="0" smtClean="0"/>
-              <a:t>\t </a:t>
-            </a:r>
-            <a:r>
-              <a:rPr lang="en-US" dirty="0" smtClean="0"/>
-              <a:t>: it is used for tab</a:t>
+              <a:t> It is used for a new line</a:t>
+            </a:r>
+          </a:p>
+          <a:p>
+            <a:r>
+              <a:rPr lang="en-US" dirty="0" smtClean="0"/>
+              <a:t>\t : it is used for tab</a:t>
             </a:r>
             <a:endParaRPr lang="en-US" dirty="0"/>
           </a:p>
@@ -6306,21 +6190,13 @@
           <a:p>
             <a:r>
               <a:rPr lang="en-US" dirty="0" smtClean="0"/>
-              <a:t>Primitive types are predefined (already defined) in Java</a:t>
-            </a:r>
-            <a:r>
-              <a:rPr lang="en-US" dirty="0" smtClean="0"/>
-              <a:t>.</a:t>
-            </a:r>
-          </a:p>
-          <a:p>
-            <a:r>
-              <a:rPr lang="en-US" dirty="0" smtClean="0"/>
-              <a:t>new</a:t>
-            </a:r>
-            <a:r>
-              <a:rPr lang="en-US" dirty="0" smtClean="0"/>
-              <a:t> keyword isn't used when initializing a variable of a primitive type. Primitive types are special data types built into the language; they are not objects created from a class</a:t>
+              <a:t>Primitive types are predefined (already defined) in Java.</a:t>
+            </a:r>
+          </a:p>
+          <a:p>
+            <a:r>
+              <a:rPr lang="en-US" dirty="0" smtClean="0"/>
+              <a:t>new keyword isn't used when initializing a variable of a primitive type. Primitive types are special data types built into the language; they are not objects created from a class</a:t>
             </a:r>
             <a:endParaRPr lang="en-US" dirty="0"/>
           </a:p>
@@ -6397,25 +6273,13 @@
           <a:p>
             <a:r>
               <a:rPr lang="en-US" dirty="0" smtClean="0"/>
-              <a:t>It </a:t>
-            </a:r>
-            <a:r>
-              <a:rPr lang="en-US" dirty="0" smtClean="0"/>
-              <a:t>can be </a:t>
-            </a:r>
-            <a:r>
-              <a:rPr lang="en-US" dirty="0" smtClean="0"/>
-              <a:t>null</a:t>
-            </a:r>
-          </a:p>
-          <a:p>
-            <a:r>
-              <a:rPr lang="en-US" dirty="0" smtClean="0"/>
-              <a:t>Non-primitive </a:t>
-            </a:r>
-            <a:r>
-              <a:rPr lang="en-US" dirty="0" smtClean="0"/>
-              <a:t>types are created by the programmer and is not defined by Java (except for String).</a:t>
+              <a:t>It can be null</a:t>
+            </a:r>
+          </a:p>
+          <a:p>
+            <a:r>
+              <a:rPr lang="en-US" dirty="0" smtClean="0"/>
+              <a:t>Non-primitive types are created by the programmer and is not defined by Java (except for String).</a:t>
             </a:r>
           </a:p>
           <a:p>
@@ -7341,10 +7205,6 @@
               <a:rPr lang="en-US" dirty="0" smtClean="0"/>
               <a:t> -&gt; long -&gt; float -&gt; double </a:t>
             </a:r>
-            <a:r>
-              <a:rPr lang="en-US" dirty="0" smtClean="0"/>
-              <a:t/>
-            </a:r>
             <a:br>
               <a:rPr lang="en-US" dirty="0" smtClean="0"/>
             </a:br>
@@ -7384,7 +7244,6 @@
               <a:rPr lang="en-US" dirty="0" smtClean="0"/>
               <a:t> -&gt; char -&gt; short -&gt; byte</a:t>
             </a:r>
-            <a:endParaRPr lang="en-US" dirty="0" smtClean="0"/>
           </a:p>
           <a:p>
             <a:endParaRPr lang="en-US" dirty="0"/>
@@ -7468,11 +7327,7 @@
             </a:r>
             <a:r>
               <a:rPr lang="en-US" dirty="0" smtClean="0"/>
-              <a:t> = </a:t>
-            </a:r>
-            <a:r>
-              <a:rPr lang="en-US" dirty="0" smtClean="0"/>
-              <a:t>10; </a:t>
+              <a:t> = 10; </a:t>
             </a:r>
           </a:p>
           <a:p>
@@ -7486,11 +7341,7 @@
             </a:r>
             <a:r>
               <a:rPr lang="en-US" dirty="0" smtClean="0"/>
-              <a:t> </a:t>
-            </a:r>
-            <a:r>
-              <a:rPr lang="en-US" dirty="0" smtClean="0"/>
-              <a:t>= </a:t>
+              <a:t> = </a:t>
             </a:r>
             <a:r>
               <a:rPr lang="en-US" dirty="0" err="1" smtClean="0"/>
@@ -7500,7 +7351,6 @@
               <a:rPr lang="en-US" dirty="0" smtClean="0"/>
               <a:t>; // Automatic casting: </a:t>
             </a:r>
-            <a:endParaRPr lang="en-US" dirty="0" smtClean="0"/>
           </a:p>
           <a:p>
             <a:r>
@@ -7614,7 +7464,6 @@
               <a:rPr lang="en-US" dirty="0" smtClean="0"/>
               <a:t> = 9.78d; </a:t>
             </a:r>
-            <a:endParaRPr lang="en-US" dirty="0" smtClean="0"/>
           </a:p>
           <a:p>
             <a:r>
@@ -7657,7 +7506,6 @@
               <a:rPr lang="en-US" dirty="0" smtClean="0"/>
               <a:t> </a:t>
             </a:r>
-            <a:endParaRPr lang="en-US" dirty="0" smtClean="0"/>
           </a:p>
           <a:p>
             <a:r>
@@ -7676,7 +7524,6 @@
               <a:rPr lang="en-US" dirty="0" smtClean="0"/>
               <a:t>); // Outputs 9.78 </a:t>
             </a:r>
-            <a:endParaRPr lang="en-US" dirty="0" smtClean="0"/>
           </a:p>
           <a:p>
             <a:r>
